--- a/Literature Review/AI plays checkers - presentation.pptx
+++ b/Literature Review/AI plays checkers - presentation.pptx
@@ -9,12 +9,14 @@
     <p:sldId id="257" r:id="rId3"/>
     <p:sldId id="266" r:id="rId4"/>
     <p:sldId id="259" r:id="rId5"/>
-    <p:sldId id="267" r:id="rId6"/>
-    <p:sldId id="268" r:id="rId7"/>
+    <p:sldId id="268" r:id="rId6"/>
+    <p:sldId id="273" r:id="rId7"/>
     <p:sldId id="269" r:id="rId8"/>
-    <p:sldId id="272" r:id="rId9"/>
-    <p:sldId id="270" r:id="rId10"/>
-    <p:sldId id="271" r:id="rId11"/>
+    <p:sldId id="274" r:id="rId9"/>
+    <p:sldId id="267" r:id="rId10"/>
+    <p:sldId id="272" r:id="rId11"/>
+    <p:sldId id="270" r:id="rId12"/>
+    <p:sldId id="271" r:id="rId13"/>
   </p:sldIdLst>
   <p:sldSz cx="12192000" cy="6858000"/>
   <p:notesSz cx="6858000" cy="9144000"/>
@@ -276,7 +278,7 @@
             <a:fld id="{3F9AFA87-1417-4992-ABD9-27C3BC8CC883}" type="datetimeFigureOut">
               <a:rPr lang="en-US" smtClean="0"/>
               <a:pPr algn="r"/>
-              <a:t>8/10/2023</a:t>
+              <a:t>8/17/2023</a:t>
             </a:fld>
             <a:endParaRPr lang="en-US" dirty="0"/>
           </a:p>
@@ -477,7 +479,7 @@
           <a:p>
             <a:fld id="{3F9AFA87-1417-4992-ABD9-27C3BC8CC883}" type="datetimeFigureOut">
               <a:rPr lang="en-US" smtClean="0"/>
-              <a:t>8/10/2023</a:t>
+              <a:t>8/17/2023</a:t>
             </a:fld>
             <a:endParaRPr lang="en-US"/>
           </a:p>
@@ -687,7 +689,7 @@
           <a:p>
             <a:fld id="{3F9AFA87-1417-4992-ABD9-27C3BC8CC883}" type="datetimeFigureOut">
               <a:rPr lang="en-US" smtClean="0"/>
-              <a:t>8/10/2023</a:t>
+              <a:t>8/17/2023</a:t>
             </a:fld>
             <a:endParaRPr lang="en-US"/>
           </a:p>
@@ -885,7 +887,7 @@
           <a:p>
             <a:fld id="{3F9AFA87-1417-4992-ABD9-27C3BC8CC883}" type="datetimeFigureOut">
               <a:rPr lang="en-US" smtClean="0"/>
-              <a:t>8/10/2023</a:t>
+              <a:t>8/17/2023</a:t>
             </a:fld>
             <a:endParaRPr lang="en-US"/>
           </a:p>
@@ -1159,7 +1161,7 @@
           <a:p>
             <a:fld id="{3F9AFA87-1417-4992-ABD9-27C3BC8CC883}" type="datetimeFigureOut">
               <a:rPr lang="en-US" smtClean="0"/>
-              <a:t>8/10/2023</a:t>
+              <a:t>8/17/2023</a:t>
             </a:fld>
             <a:endParaRPr lang="en-US"/>
           </a:p>
@@ -1424,7 +1426,7 @@
           <a:p>
             <a:fld id="{3F9AFA87-1417-4992-ABD9-27C3BC8CC883}" type="datetimeFigureOut">
               <a:rPr lang="en-US" smtClean="0"/>
-              <a:t>8/10/2023</a:t>
+              <a:t>8/17/2023</a:t>
             </a:fld>
             <a:endParaRPr lang="en-US" dirty="0"/>
           </a:p>
@@ -1811,7 +1813,7 @@
           <a:p>
             <a:fld id="{3F9AFA87-1417-4992-ABD9-27C3BC8CC883}" type="datetimeFigureOut">
               <a:rPr lang="en-US" smtClean="0"/>
-              <a:t>8/10/2023</a:t>
+              <a:t>8/17/2023</a:t>
             </a:fld>
             <a:endParaRPr lang="en-US"/>
           </a:p>
@@ -1981,7 +1983,7 @@
           <a:p>
             <a:fld id="{3F9AFA87-1417-4992-ABD9-27C3BC8CC883}" type="datetimeFigureOut">
               <a:rPr lang="en-US" smtClean="0"/>
-              <a:t>8/10/2023</a:t>
+              <a:t>8/17/2023</a:t>
             </a:fld>
             <a:endParaRPr lang="en-US"/>
           </a:p>
@@ -2094,7 +2096,7 @@
           <a:p>
             <a:fld id="{3F9AFA87-1417-4992-ABD9-27C3BC8CC883}" type="datetimeFigureOut">
               <a:rPr lang="en-US" smtClean="0"/>
-              <a:t>8/10/2023</a:t>
+              <a:t>8/17/2023</a:t>
             </a:fld>
             <a:endParaRPr lang="en-US"/>
           </a:p>
@@ -2414,7 +2416,7 @@
           <a:p>
             <a:fld id="{3F9AFA87-1417-4992-ABD9-27C3BC8CC883}" type="datetimeFigureOut">
               <a:rPr lang="en-US" smtClean="0"/>
-              <a:t>8/10/2023</a:t>
+              <a:t>8/17/2023</a:t>
             </a:fld>
             <a:endParaRPr lang="en-US"/>
           </a:p>
@@ -2719,7 +2721,7 @@
           <a:p>
             <a:fld id="{3F9AFA87-1417-4992-ABD9-27C3BC8CC883}" type="datetimeFigureOut">
               <a:rPr lang="en-US" smtClean="0"/>
-              <a:t>8/10/2023</a:t>
+              <a:t>8/17/2023</a:t>
             </a:fld>
             <a:endParaRPr lang="en-US"/>
           </a:p>
@@ -2962,7 +2964,7 @@
             <a:fld id="{3F9AFA87-1417-4992-ABD9-27C3BC8CC883}" type="datetimeFigureOut">
               <a:rPr lang="en-US" smtClean="0"/>
               <a:pPr algn="r"/>
-              <a:t>8/10/2023</a:t>
+              <a:t>8/17/2023</a:t>
             </a:fld>
             <a:endParaRPr lang="en-US" dirty="0"/>
           </a:p>
@@ -4216,8 +4218,8 @@
         </p:nvSpPr>
         <p:spPr>
           <a:xfrm>
-            <a:off x="762000" y="761999"/>
-            <a:ext cx="11054080" cy="5343525"/>
+            <a:off x="762000" y="779592"/>
+            <a:ext cx="11328400" cy="6078406"/>
           </a:xfrm>
         </p:spPr>
         <p:txBody>
@@ -4226,24 +4228,137 @@
           </a:bodyPr>
           <a:lstStyle/>
           <a:p>
-            <a:pPr algn="ctr"/>
-            <a:r>
-              <a:rPr lang="en-US" sz="4000" b="1" dirty="0">
-                <a:solidFill>
-                  <a:schemeClr val="accent3">
-                    <a:lumMod val="50000"/>
-                  </a:schemeClr>
-                </a:solidFill>
-              </a:rPr>
-              <a:t>Thank you for the attention</a:t>
-            </a:r>
-          </a:p>
-        </p:txBody>
-      </p:sp>
+            <a:br>
+              <a:rPr lang="en-US" sz="2400" b="1" dirty="0">
+                <a:solidFill>
+                  <a:schemeClr val="accent3">
+                    <a:lumMod val="50000"/>
+                  </a:schemeClr>
+                </a:solidFill>
+              </a:rPr>
+            </a:br>
+            <a:endParaRPr lang="en-US" sz="2400" dirty="0">
+              <a:solidFill>
+                <a:schemeClr val="accent3">
+                  <a:lumMod val="50000"/>
+                </a:schemeClr>
+              </a:solidFill>
+            </a:endParaRPr>
+          </a:p>
+        </p:txBody>
+      </p:sp>
+      <p:sp>
+        <p:nvSpPr>
+          <p:cNvPr id="4" name="TextBox 3">
+            <a:extLst>
+              <a:ext uri="{FF2B5EF4-FFF2-40B4-BE49-F238E27FC236}">
+                <a16:creationId xmlns:a16="http://schemas.microsoft.com/office/drawing/2014/main" id="{6E876584-5AE5-ECBD-5D64-C2FD55E2E46A}"/>
+              </a:ext>
+            </a:extLst>
+          </p:cNvPr>
+          <p:cNvSpPr txBox="1"/>
+          <p:nvPr/>
+        </p:nvSpPr>
+        <p:spPr>
+          <a:xfrm>
+            <a:off x="762000" y="167701"/>
+            <a:ext cx="7315200" cy="1077218"/>
+          </a:xfrm>
+          <a:prstGeom prst="rect">
+            <a:avLst/>
+          </a:prstGeom>
+          <a:noFill/>
+        </p:spPr>
+        <p:txBody>
+          <a:bodyPr wrap="square" rtlCol="0">
+            <a:spAutoFit/>
+          </a:bodyPr>
+          <a:lstStyle/>
+          <a:p>
+            <a:r>
+              <a:rPr lang="es-ES" sz="3200" dirty="0" err="1">
+                <a:solidFill>
+                  <a:schemeClr val="bg1"/>
+                </a:solidFill>
+                <a:latin typeface="+mj-lt"/>
+              </a:rPr>
+              <a:t>The</a:t>
+            </a:r>
+            <a:r>
+              <a:rPr lang="es-ES" sz="3200" dirty="0">
+                <a:solidFill>
+                  <a:schemeClr val="bg1"/>
+                </a:solidFill>
+                <a:latin typeface="+mj-lt"/>
+              </a:rPr>
+              <a:t> </a:t>
+            </a:r>
+            <a:r>
+              <a:rPr lang="es-ES" sz="3200" dirty="0" err="1">
+                <a:solidFill>
+                  <a:schemeClr val="bg1"/>
+                </a:solidFill>
+                <a:latin typeface="+mj-lt"/>
+              </a:rPr>
+              <a:t>game</a:t>
+            </a:r>
+            <a:endParaRPr lang="en-GB" sz="3200" dirty="0">
+              <a:solidFill>
+                <a:schemeClr val="bg1"/>
+              </a:solidFill>
+              <a:latin typeface="+mj-lt"/>
+            </a:endParaRPr>
+          </a:p>
+          <a:p>
+            <a:endParaRPr lang="en-US" sz="3200" dirty="0">
+              <a:solidFill>
+                <a:schemeClr val="bg1"/>
+              </a:solidFill>
+              <a:latin typeface="+mj-lt"/>
+            </a:endParaRPr>
+          </a:p>
+        </p:txBody>
+      </p:sp>
+      <p:pic>
+        <p:nvPicPr>
+          <p:cNvPr id="6" name="Picture 5" descr="A computer screen shot of a computer screen&#10;&#10;Description automatically generated">
+            <a:extLst>
+              <a:ext uri="{FF2B5EF4-FFF2-40B4-BE49-F238E27FC236}">
+                <a16:creationId xmlns:a16="http://schemas.microsoft.com/office/drawing/2014/main" id="{915E361D-9343-8446-9B6B-1DA886A606B8}"/>
+              </a:ext>
+            </a:extLst>
+          </p:cNvPr>
+          <p:cNvPicPr>
+            <a:picLocks noChangeAspect="1"/>
+          </p:cNvPicPr>
+          <p:nvPr/>
+        </p:nvPicPr>
+        <p:blipFill>
+          <a:blip r:embed="rId2">
+            <a:extLst>
+              <a:ext uri="{28A0092B-C50C-407E-A947-70E740481C1C}">
+                <a14:useLocalDpi xmlns:a14="http://schemas.microsoft.com/office/drawing/2010/main" val="0"/>
+              </a:ext>
+            </a:extLst>
+          </a:blip>
+          <a:stretch>
+            <a:fillRect/>
+          </a:stretch>
+        </p:blipFill>
+        <p:spPr>
+          <a:xfrm>
+            <a:off x="3238500" y="817722"/>
+            <a:ext cx="5715000" cy="5715000"/>
+          </a:xfrm>
+          <a:prstGeom prst="rect">
+            <a:avLst/>
+          </a:prstGeom>
+        </p:spPr>
+      </p:pic>
     </p:spTree>
     <p:extLst>
       <p:ext uri="{BB962C8B-B14F-4D97-AF65-F5344CB8AC3E}">
-        <p14:creationId xmlns:p14="http://schemas.microsoft.com/office/powerpoint/2010/main" val="1191634155"/>
+        <p14:creationId xmlns:p14="http://schemas.microsoft.com/office/powerpoint/2010/main" val="158989322"/>
       </p:ext>
     </p:extLst>
   </p:cSld>
@@ -4253,7 +4368,7 @@
 </p:sld>
 </file>
 
-<file path=ppt/slides/slide2.xml><?xml version="1.0" encoding="utf-8"?>
+<file path=ppt/slides/slide11.xml><?xml version="1.0" encoding="utf-8"?>
 <p:sld xmlns:a="http://schemas.openxmlformats.org/drawingml/2006/main" xmlns:r="http://schemas.openxmlformats.org/officeDocument/2006/relationships" xmlns:p="http://schemas.openxmlformats.org/presentationml/2006/main">
   <p:cSld>
     <p:bg>
@@ -4661,8 +4776,8 @@
         </p:nvSpPr>
         <p:spPr>
           <a:xfrm>
-            <a:off x="762000" y="761999"/>
-            <a:ext cx="11054080" cy="6095999"/>
+            <a:off x="762000" y="779592"/>
+            <a:ext cx="5334000" cy="6078406"/>
           </a:xfrm>
         </p:spPr>
         <p:txBody>
@@ -4672,17 +4787,17 @@
           <a:lstStyle/>
           <a:p>
             <a:r>
-              <a:rPr lang="en-US" sz="3600" b="1" dirty="0">
-                <a:solidFill>
-                  <a:schemeClr val="accent3">
-                    <a:lumMod val="50000"/>
-                  </a:schemeClr>
-                </a:solidFill>
-              </a:rPr>
-              <a:t>· Create an AI bot that can beat playing Checkers other bots or real players.</a:t>
+              <a:rPr lang="en-US" sz="2400" dirty="0">
+                <a:solidFill>
+                  <a:schemeClr val="accent3">
+                    <a:lumMod val="50000"/>
+                  </a:schemeClr>
+                </a:solidFill>
+              </a:rPr>
+              <a:t>· Deep Reinforcement Learning (DRL)</a:t>
             </a:r>
             <a:br>
-              <a:rPr lang="en-US" sz="3600" b="1" dirty="0">
+              <a:rPr lang="en-US" sz="2400" dirty="0">
                 <a:solidFill>
                   <a:schemeClr val="accent3">
                     <a:lumMod val="50000"/>
@@ -4691,7 +4806,26 @@
               </a:rPr>
             </a:br>
             <a:br>
-              <a:rPr lang="en-US" sz="3600" b="1" dirty="0">
+              <a:rPr lang="en-US" sz="2400" dirty="0">
+                <a:solidFill>
+                  <a:schemeClr val="accent3">
+                    <a:lumMod val="50000"/>
+                  </a:schemeClr>
+                </a:solidFill>
+              </a:rPr>
+            </a:br>
+            <a:r>
+              <a:rPr lang="en-US" sz="2400" dirty="0">
+                <a:solidFill>
+                  <a:schemeClr val="accent3">
+                    <a:lumMod val="50000"/>
+                  </a:schemeClr>
+                </a:solidFill>
+              </a:rPr>
+              <a:t>· Monte Carlo Tree Search (MCTS)</a:t>
+            </a:r>
+            <a:br>
+              <a:rPr lang="en-US" sz="2400" dirty="0">
                 <a:solidFill>
                   <a:schemeClr val="accent3">
                     <a:lumMod val="50000"/>
@@ -4700,7 +4834,7 @@
               </a:rPr>
             </a:br>
             <a:br>
-              <a:rPr lang="en-US" sz="3600" b="1" dirty="0">
+              <a:rPr lang="en-US" sz="2400" dirty="0">
                 <a:solidFill>
                   <a:schemeClr val="accent3">
                     <a:lumMod val="50000"/>
@@ -4709,15 +4843,115 @@
               </a:rPr>
             </a:br>
             <a:r>
-              <a:rPr lang="en-US" sz="3600" b="1" dirty="0">
-                <a:solidFill>
-                  <a:schemeClr val="accent3">
-                    <a:lumMod val="50000"/>
-                  </a:schemeClr>
-                </a:solidFill>
-              </a:rPr>
-              <a:t>· Create and interface for playing against the AI or see how two bots can play against each other.</a:t>
-            </a:r>
+              <a:rPr lang="en-US" sz="2400" dirty="0">
+                <a:solidFill>
+                  <a:schemeClr val="accent3">
+                    <a:lumMod val="50000"/>
+                  </a:schemeClr>
+                </a:solidFill>
+              </a:rPr>
+              <a:t>· Ensemble Learning</a:t>
+            </a:r>
+            <a:br>
+              <a:rPr lang="en-US" sz="2400" dirty="0">
+                <a:solidFill>
+                  <a:schemeClr val="accent3">
+                    <a:lumMod val="50000"/>
+                  </a:schemeClr>
+                </a:solidFill>
+              </a:rPr>
+            </a:br>
+            <a:br>
+              <a:rPr lang="en-US" sz="2400" dirty="0">
+                <a:solidFill>
+                  <a:schemeClr val="accent3">
+                    <a:lumMod val="50000"/>
+                  </a:schemeClr>
+                </a:solidFill>
+              </a:rPr>
+            </a:br>
+            <a:r>
+              <a:rPr lang="en-US" sz="2400" dirty="0">
+                <a:solidFill>
+                  <a:schemeClr val="accent3">
+                    <a:lumMod val="50000"/>
+                  </a:schemeClr>
+                </a:solidFill>
+              </a:rPr>
+              <a:t>· Dynamic Learning Rates</a:t>
+            </a:r>
+            <a:br>
+              <a:rPr lang="en-US" sz="2400" dirty="0">
+                <a:solidFill>
+                  <a:schemeClr val="accent3">
+                    <a:lumMod val="50000"/>
+                  </a:schemeClr>
+                </a:solidFill>
+              </a:rPr>
+            </a:br>
+            <a:br>
+              <a:rPr lang="en-US" sz="2400" dirty="0">
+                <a:solidFill>
+                  <a:schemeClr val="accent3">
+                    <a:lumMod val="50000"/>
+                  </a:schemeClr>
+                </a:solidFill>
+              </a:rPr>
+            </a:br>
+            <a:r>
+              <a:rPr lang="en-US" sz="2400" dirty="0">
+                <a:solidFill>
+                  <a:schemeClr val="accent3">
+                    <a:lumMod val="50000"/>
+                  </a:schemeClr>
+                </a:solidFill>
+              </a:rPr>
+              <a:t>· Curriculum Learning</a:t>
+            </a:r>
+            <a:br>
+              <a:rPr lang="en-US" sz="2400" dirty="0">
+                <a:solidFill>
+                  <a:schemeClr val="accent3">
+                    <a:lumMod val="50000"/>
+                  </a:schemeClr>
+                </a:solidFill>
+              </a:rPr>
+            </a:br>
+            <a:br>
+              <a:rPr lang="en-US" sz="2400" dirty="0">
+                <a:solidFill>
+                  <a:schemeClr val="accent3">
+                    <a:lumMod val="50000"/>
+                  </a:schemeClr>
+                </a:solidFill>
+              </a:rPr>
+            </a:br>
+            <a:r>
+              <a:rPr lang="en-US" sz="2400" dirty="0">
+                <a:solidFill>
+                  <a:schemeClr val="accent3">
+                    <a:lumMod val="50000"/>
+                  </a:schemeClr>
+                </a:solidFill>
+              </a:rPr>
+              <a:t>· Hierarchical Reinforcement Learning</a:t>
+            </a:r>
+            <a:br>
+              <a:rPr lang="en-US" sz="2400" b="1" dirty="0">
+                <a:solidFill>
+                  <a:schemeClr val="accent3">
+                    <a:lumMod val="50000"/>
+                  </a:schemeClr>
+                </a:solidFill>
+              </a:rPr>
+            </a:br>
+            <a:endParaRPr lang="en-US" sz="2400" dirty="0">
+              <a:solidFill>
+                <a:schemeClr val="accent3">
+                  <a:lumMod val="50000"/>
+                </a:schemeClr>
+              </a:solidFill>
+            </a:endParaRPr>
           </a:p>
         </p:txBody>
       </p:sp>
@@ -4736,7 +4970,7 @@
         <p:spPr>
           <a:xfrm>
             <a:off x="762000" y="167701"/>
-            <a:ext cx="5994400" cy="584775"/>
+            <a:ext cx="7315200" cy="1077218"/>
           </a:xfrm>
           <a:prstGeom prst="rect">
             <a:avLst/>
@@ -4756,21 +4990,242 @@
                 </a:solidFill>
                 <a:latin typeface="+mj-lt"/>
               </a:rPr>
-              <a:t>Introduction</a:t>
-            </a:r>
-            <a:endParaRPr lang="es-ES" sz="3200" dirty="0">
+              <a:t>Possible</a:t>
+            </a:r>
+            <a:r>
+              <a:rPr lang="es-ES" sz="3200" dirty="0">
+                <a:solidFill>
+                  <a:schemeClr val="bg1"/>
+                </a:solidFill>
+                <a:latin typeface="+mj-lt"/>
+              </a:rPr>
+              <a:t> </a:t>
+            </a:r>
+            <a:r>
+              <a:rPr lang="es-ES" sz="3200" dirty="0" err="1">
+                <a:solidFill>
+                  <a:schemeClr val="bg1"/>
+                </a:solidFill>
+                <a:latin typeface="+mj-lt"/>
+              </a:rPr>
+              <a:t>Extensions</a:t>
+            </a:r>
+            <a:endParaRPr lang="en-GB" sz="3200" dirty="0">
               <a:solidFill>
                 <a:schemeClr val="bg1"/>
               </a:solidFill>
               <a:latin typeface="+mj-lt"/>
             </a:endParaRPr>
           </a:p>
+          <a:p>
+            <a:endParaRPr lang="en-US" sz="3200" dirty="0">
+              <a:solidFill>
+                <a:schemeClr val="bg1"/>
+              </a:solidFill>
+              <a:latin typeface="+mj-lt"/>
+            </a:endParaRPr>
+          </a:p>
+        </p:txBody>
+      </p:sp>
+      <p:sp>
+        <p:nvSpPr>
+          <p:cNvPr id="3" name="Title 1">
+            <a:extLst>
+              <a:ext uri="{FF2B5EF4-FFF2-40B4-BE49-F238E27FC236}">
+                <a16:creationId xmlns:a16="http://schemas.microsoft.com/office/drawing/2014/main" id="{3A1ACF51-9124-406F-5ECE-33922ED3A746}"/>
+              </a:ext>
+            </a:extLst>
+          </p:cNvPr>
+          <p:cNvSpPr txBox="1">
+            <a:spLocks/>
+          </p:cNvSpPr>
+          <p:nvPr/>
+        </p:nvSpPr>
+        <p:spPr>
+          <a:xfrm>
+            <a:off x="6096000" y="761999"/>
+            <a:ext cx="5994400" cy="6095999"/>
+          </a:xfrm>
+          <a:prstGeom prst="rect">
+            <a:avLst/>
+          </a:prstGeom>
+        </p:spPr>
+        <p:txBody>
+          <a:bodyPr vert="horz" lIns="91440" tIns="45720" rIns="91440" bIns="45720" rtlCol="0" anchor="ctr">
+            <a:noAutofit/>
+          </a:bodyPr>
+          <a:lstStyle>
+            <a:lvl1pPr algn="l" defTabSz="914400" rtl="0" eaLnBrk="1" latinLnBrk="0" hangingPunct="1">
+              <a:lnSpc>
+                <a:spcPct val="95000"/>
+              </a:lnSpc>
+              <a:spcBef>
+                <a:spcPct val="0"/>
+              </a:spcBef>
+              <a:buNone/>
+              <a:defRPr sz="4200" kern="1200" spc="-50" baseline="0">
+                <a:solidFill>
+                  <a:schemeClr val="tx1"/>
+                </a:solidFill>
+                <a:latin typeface="+mj-lt"/>
+                <a:ea typeface="+mj-ea"/>
+                <a:cs typeface="+mj-cs"/>
+              </a:defRPr>
+            </a:lvl1pPr>
+          </a:lstStyle>
+          <a:p>
+            <a:r>
+              <a:rPr lang="en-US" sz="2400" dirty="0">
+                <a:solidFill>
+                  <a:schemeClr val="accent3">
+                    <a:lumMod val="50000"/>
+                  </a:schemeClr>
+                </a:solidFill>
+              </a:rPr>
+              <a:t>· Reward Shaping</a:t>
+            </a:r>
+          </a:p>
+          <a:p>
+            <a:br>
+              <a:rPr lang="en-US" sz="2400" dirty="0">
+                <a:solidFill>
+                  <a:schemeClr val="accent3">
+                    <a:lumMod val="50000"/>
+                  </a:schemeClr>
+                </a:solidFill>
+              </a:rPr>
+            </a:br>
+            <a:r>
+              <a:rPr lang="en-US" sz="2400" dirty="0">
+                <a:solidFill>
+                  <a:schemeClr val="accent3">
+                    <a:lumMod val="50000"/>
+                  </a:schemeClr>
+                </a:solidFill>
+              </a:rPr>
+              <a:t>· Exploration Strategies</a:t>
+            </a:r>
+          </a:p>
+          <a:p>
+            <a:br>
+              <a:rPr lang="en-US" sz="2400" dirty="0">
+                <a:solidFill>
+                  <a:schemeClr val="accent3">
+                    <a:lumMod val="50000"/>
+                  </a:schemeClr>
+                </a:solidFill>
+              </a:rPr>
+            </a:br>
+            <a:r>
+              <a:rPr lang="en-US" sz="2400" dirty="0">
+                <a:solidFill>
+                  <a:schemeClr val="accent3">
+                    <a:lumMod val="50000"/>
+                  </a:schemeClr>
+                </a:solidFill>
+              </a:rPr>
+              <a:t>· Adversarial Training</a:t>
+            </a:r>
+          </a:p>
+          <a:p>
+            <a:br>
+              <a:rPr lang="en-US" sz="2400" dirty="0">
+                <a:solidFill>
+                  <a:schemeClr val="accent3">
+                    <a:lumMod val="50000"/>
+                  </a:schemeClr>
+                </a:solidFill>
+              </a:rPr>
+            </a:br>
+            <a:r>
+              <a:rPr lang="en-US" sz="2400" dirty="0">
+                <a:solidFill>
+                  <a:schemeClr val="accent3">
+                    <a:lumMod val="50000"/>
+                  </a:schemeClr>
+                </a:solidFill>
+              </a:rPr>
+              <a:t>· Human-AI Collaboration</a:t>
+            </a:r>
+          </a:p>
+          <a:p>
+            <a:br>
+              <a:rPr lang="en-US" sz="2400" dirty="0">
+                <a:solidFill>
+                  <a:schemeClr val="accent3">
+                    <a:lumMod val="50000"/>
+                  </a:schemeClr>
+                </a:solidFill>
+              </a:rPr>
+            </a:br>
+            <a:r>
+              <a:rPr lang="en-US" sz="2400" dirty="0">
+                <a:solidFill>
+                  <a:schemeClr val="accent3">
+                    <a:lumMod val="50000"/>
+                  </a:schemeClr>
+                </a:solidFill>
+              </a:rPr>
+              <a:t>· Visual Recognition</a:t>
+            </a:r>
+          </a:p>
+          <a:p>
+            <a:br>
+              <a:rPr lang="en-US" sz="2400" dirty="0">
+                <a:solidFill>
+                  <a:schemeClr val="accent3">
+                    <a:lumMod val="50000"/>
+                  </a:schemeClr>
+                </a:solidFill>
+              </a:rPr>
+            </a:br>
+            <a:r>
+              <a:rPr lang="en-US" sz="2400" dirty="0">
+                <a:solidFill>
+                  <a:schemeClr val="accent3">
+                    <a:lumMod val="50000"/>
+                  </a:schemeClr>
+                </a:solidFill>
+              </a:rPr>
+              <a:t>· Multi-Agent Learning</a:t>
+            </a:r>
+          </a:p>
+          <a:p>
+            <a:br>
+              <a:rPr lang="en-US" sz="2400" dirty="0">
+                <a:solidFill>
+                  <a:schemeClr val="accent3">
+                    <a:lumMod val="50000"/>
+                  </a:schemeClr>
+                </a:solidFill>
+              </a:rPr>
+            </a:br>
+            <a:r>
+              <a:rPr lang="en-US" sz="2400" dirty="0">
+                <a:solidFill>
+                  <a:schemeClr val="accent3">
+                    <a:lumMod val="50000"/>
+                  </a:schemeClr>
+                </a:solidFill>
+              </a:rPr>
+              <a:t>· Real-Time Learning</a:t>
+            </a:r>
+          </a:p>
+          <a:p>
+            <a:endParaRPr lang="en-US" sz="2400" b="1" dirty="0">
+              <a:solidFill>
+                <a:schemeClr val="accent3">
+                  <a:lumMod val="50000"/>
+                </a:schemeClr>
+              </a:solidFill>
+            </a:endParaRPr>
+          </a:p>
         </p:txBody>
       </p:sp>
     </p:spTree>
     <p:extLst>
       <p:ext uri="{BB962C8B-B14F-4D97-AF65-F5344CB8AC3E}">
-        <p14:creationId xmlns:p14="http://schemas.microsoft.com/office/powerpoint/2010/main" val="2728418419"/>
+        <p14:creationId xmlns:p14="http://schemas.microsoft.com/office/powerpoint/2010/main" val="3754610649"/>
       </p:ext>
     </p:extLst>
   </p:cSld>
@@ -4780,7 +5235,7 @@
 </p:sld>
 </file>
 
-<file path=ppt/slides/slide3.xml><?xml version="1.0" encoding="utf-8"?>
+<file path=ppt/slides/slide12.xml><?xml version="1.0" encoding="utf-8"?>
 <p:sld xmlns:a="http://schemas.openxmlformats.org/drawingml/2006/main" xmlns:r="http://schemas.openxmlformats.org/officeDocument/2006/relationships" xmlns:p="http://schemas.openxmlformats.org/presentationml/2006/main">
   <p:cSld>
     <p:bg>
@@ -5188,8 +5643,8 @@
         </p:nvSpPr>
         <p:spPr>
           <a:xfrm>
-            <a:off x="762000" y="762000"/>
-            <a:ext cx="11054080" cy="6095999"/>
+            <a:off x="762000" y="761999"/>
+            <a:ext cx="11054080" cy="5343525"/>
           </a:xfrm>
         </p:spPr>
         <p:txBody>
@@ -5198,103 +5653,16 @@
           </a:bodyPr>
           <a:lstStyle/>
           <a:p>
-            <a:r>
-              <a:rPr lang="en-US" sz="2400" b="1" dirty="0">
-                <a:solidFill>
-                  <a:schemeClr val="accent3">
-                    <a:lumMod val="50000"/>
-                  </a:schemeClr>
-                </a:solidFill>
-              </a:rPr>
-              <a:t>· Create a checkers game and board using the python module </a:t>
-            </a:r>
-            <a:r>
-              <a:rPr lang="en-US" sz="2400" b="1" i="1" dirty="0" err="1">
-                <a:solidFill>
-                  <a:schemeClr val="accent3">
-                    <a:lumMod val="50000"/>
-                  </a:schemeClr>
-                </a:solidFill>
-              </a:rPr>
-              <a:t>pygame</a:t>
-            </a:r>
-            <a:r>
-              <a:rPr lang="en-US" sz="2400" b="1" i="1" dirty="0">
-                <a:solidFill>
-                  <a:schemeClr val="accent3">
-                    <a:lumMod val="50000"/>
-                  </a:schemeClr>
-                </a:solidFill>
-              </a:rPr>
-              <a:t>. </a:t>
-            </a:r>
-            <a:br>
-              <a:rPr lang="en-US" sz="2400" b="1" i="1" dirty="0">
-                <a:solidFill>
-                  <a:schemeClr val="accent3">
-                    <a:lumMod val="50000"/>
-                  </a:schemeClr>
-                </a:solidFill>
-              </a:rPr>
-            </a:br>
-            <a:br>
-              <a:rPr lang="en-US" sz="2400" b="1" dirty="0">
-                <a:solidFill>
-                  <a:schemeClr val="accent3">
-                    <a:lumMod val="50000"/>
-                  </a:schemeClr>
-                </a:solidFill>
-              </a:rPr>
-            </a:br>
-            <a:r>
-              <a:rPr lang="en-US" sz="2400" b="1" dirty="0">
-                <a:solidFill>
-                  <a:schemeClr val="accent3">
-                    <a:lumMod val="50000"/>
-                  </a:schemeClr>
-                </a:solidFill>
-              </a:rPr>
-              <a:t>· Use the algorithm Minimax programmed in python 3.9.16 to decide the movements of the AI.</a:t>
-            </a:r>
-          </a:p>
-        </p:txBody>
-      </p:sp>
-      <p:sp>
-        <p:nvSpPr>
-          <p:cNvPr id="4" name="TextBox 3">
-            <a:extLst>
-              <a:ext uri="{FF2B5EF4-FFF2-40B4-BE49-F238E27FC236}">
-                <a16:creationId xmlns:a16="http://schemas.microsoft.com/office/drawing/2014/main" id="{6E876584-5AE5-ECBD-5D64-C2FD55E2E46A}"/>
-              </a:ext>
-            </a:extLst>
-          </p:cNvPr>
-          <p:cNvSpPr txBox="1"/>
-          <p:nvPr/>
-        </p:nvSpPr>
-        <p:spPr>
-          <a:xfrm>
-            <a:off x="762000" y="167701"/>
-            <a:ext cx="5994400" cy="584775"/>
-          </a:xfrm>
-          <a:prstGeom prst="rect">
-            <a:avLst/>
-          </a:prstGeom>
-          <a:noFill/>
-        </p:spPr>
-        <p:txBody>
-          <a:bodyPr wrap="square" rtlCol="0">
-            <a:spAutoFit/>
-          </a:bodyPr>
-          <a:lstStyle/>
-          <a:p>
-            <a:r>
-              <a:rPr lang="en-AU" sz="3200" dirty="0">
-                <a:solidFill>
-                  <a:schemeClr val="bg1"/>
-                </a:solidFill>
-                <a:latin typeface="+mj-lt"/>
-              </a:rPr>
-              <a:t>Methodology</a:t>
+            <a:pPr algn="ctr"/>
+            <a:r>
+              <a:rPr lang="en-US" sz="4000" b="1" dirty="0">
+                <a:solidFill>
+                  <a:schemeClr val="accent3">
+                    <a:lumMod val="50000"/>
+                  </a:schemeClr>
+                </a:solidFill>
+              </a:rPr>
+              <a:t>Thank you for your attention</a:t>
             </a:r>
           </a:p>
         </p:txBody>
@@ -5302,7 +5670,7 @@
     </p:spTree>
     <p:extLst>
       <p:ext uri="{BB962C8B-B14F-4D97-AF65-F5344CB8AC3E}">
-        <p14:creationId xmlns:p14="http://schemas.microsoft.com/office/powerpoint/2010/main" val="1843232997"/>
+        <p14:creationId xmlns:p14="http://schemas.microsoft.com/office/powerpoint/2010/main" val="1191634155"/>
       </p:ext>
     </p:extLst>
   </p:cSld>
@@ -5312,7 +5680,7 @@
 </p:sld>
 </file>
 
-<file path=ppt/slides/slide4.xml><?xml version="1.0" encoding="utf-8"?>
+<file path=ppt/slides/slide2.xml><?xml version="1.0" encoding="utf-8"?>
 <p:sld xmlns:a="http://schemas.openxmlformats.org/drawingml/2006/main" xmlns:r="http://schemas.openxmlformats.org/officeDocument/2006/relationships" xmlns:p="http://schemas.openxmlformats.org/presentationml/2006/main">
   <p:cSld>
     <p:bg>
@@ -5720,8 +6088,8 @@
         </p:nvSpPr>
         <p:spPr>
           <a:xfrm>
-            <a:off x="762000" y="779592"/>
-            <a:ext cx="5405120" cy="6078406"/>
+            <a:off x="762000" y="761999"/>
+            <a:ext cx="11054080" cy="6095999"/>
           </a:xfrm>
         </p:spPr>
         <p:txBody>
@@ -5730,37 +6098,18 @@
           </a:bodyPr>
           <a:lstStyle/>
           <a:p>
+            <a:r>
+              <a:rPr lang="en-US" sz="3600" b="1" dirty="0">
+                <a:solidFill>
+                  <a:schemeClr val="accent3">
+                    <a:lumMod val="50000"/>
+                  </a:schemeClr>
+                </a:solidFill>
+              </a:rPr>
+              <a:t>· Create an AI bot that can play Checkers against other bots or real players.</a:t>
+            </a:r>
             <a:br>
-              <a:rPr lang="en-US" sz="2400" dirty="0">
-                <a:solidFill>
-                  <a:schemeClr val="accent3">
-                    <a:lumMod val="50000"/>
-                  </a:schemeClr>
-                </a:solidFill>
-              </a:rPr>
-            </a:br>
-            <a:r>
-              <a:rPr lang="en-US" sz="2400" dirty="0">
-                <a:solidFill>
-                  <a:schemeClr val="accent3">
-                    <a:lumMod val="50000"/>
-                  </a:schemeClr>
-                </a:solidFill>
-              </a:rPr>
-              <a:t>· </a:t>
-            </a:r>
-            <a:r>
-              <a:rPr lang="en-US" sz="2400" b="1" dirty="0">
-                <a:solidFill>
-                  <a:schemeClr val="accent3">
-                    <a:lumMod val="50000"/>
-                  </a:schemeClr>
-                </a:solidFill>
-              </a:rPr>
-              <a:t>Graphics Rendering</a:t>
-            </a:r>
-            <a:br>
-              <a:rPr lang="en-US" sz="2400" b="1" dirty="0">
+              <a:rPr lang="en-US" sz="3600" b="1" dirty="0">
                 <a:solidFill>
                   <a:schemeClr val="accent3">
                     <a:lumMod val="50000"/>
@@ -5769,36 +6118,7 @@
               </a:rPr>
             </a:br>
             <a:br>
-              <a:rPr lang="en-US" sz="2400" dirty="0">
-                <a:solidFill>
-                  <a:schemeClr val="accent3">
-                    <a:lumMod val="50000"/>
-                  </a:schemeClr>
-                </a:solidFill>
-              </a:rPr>
-            </a:br>
-            <a:r>
-              <a:rPr lang="en-US" sz="2400" dirty="0">
-                <a:solidFill>
-                  <a:schemeClr val="accent3">
-                    <a:lumMod val="50000"/>
-                  </a:schemeClr>
-                </a:solidFill>
-              </a:rPr>
-              <a:t>· </a:t>
-            </a:r>
-            <a:r>
-              <a:rPr lang="en-US" sz="2400" b="1" dirty="0">
-                <a:solidFill>
-                  <a:schemeClr val="accent3">
-                    <a:lumMod val="50000"/>
-                  </a:schemeClr>
-                </a:solidFill>
-              </a:rPr>
-              <a:t>Input Handling</a:t>
-            </a:r>
-            <a:br>
-              <a:rPr lang="en-US" sz="2400" b="1" dirty="0">
+              <a:rPr lang="en-US" sz="3600" b="1" dirty="0">
                 <a:solidFill>
                   <a:schemeClr val="accent3">
                     <a:lumMod val="50000"/>
@@ -5807,7 +6127,7 @@
               </a:rPr>
             </a:br>
             <a:br>
-              <a:rPr lang="en-US" sz="2400" dirty="0">
+              <a:rPr lang="en-US" sz="3600" b="1" dirty="0">
                 <a:solidFill>
                   <a:schemeClr val="accent3">
                     <a:lumMod val="50000"/>
@@ -5816,154 +6136,15 @@
               </a:rPr>
             </a:br>
             <a:r>
-              <a:rPr lang="en-US" sz="2400" dirty="0">
-                <a:solidFill>
-                  <a:schemeClr val="accent3">
-                    <a:lumMod val="50000"/>
-                  </a:schemeClr>
-                </a:solidFill>
-              </a:rPr>
-              <a:t>· </a:t>
-            </a:r>
-            <a:r>
-              <a:rPr lang="en-US" sz="2400" b="1" dirty="0">
-                <a:solidFill>
-                  <a:schemeClr val="accent3">
-                    <a:lumMod val="50000"/>
-                  </a:schemeClr>
-                </a:solidFill>
-              </a:rPr>
-              <a:t>Event Management</a:t>
-            </a:r>
-            <a:br>
-              <a:rPr lang="en-US" sz="2400" b="1" dirty="0">
-                <a:solidFill>
-                  <a:schemeClr val="accent3">
-                    <a:lumMod val="50000"/>
-                  </a:schemeClr>
-                </a:solidFill>
-              </a:rPr>
-            </a:br>
-            <a:br>
-              <a:rPr lang="en-US" sz="2400" dirty="0">
-                <a:solidFill>
-                  <a:schemeClr val="accent3">
-                    <a:lumMod val="50000"/>
-                  </a:schemeClr>
-                </a:solidFill>
-              </a:rPr>
-            </a:br>
-            <a:r>
-              <a:rPr lang="en-US" sz="2400" dirty="0">
-                <a:solidFill>
-                  <a:schemeClr val="accent3">
-                    <a:lumMod val="50000"/>
-                  </a:schemeClr>
-                </a:solidFill>
-              </a:rPr>
-              <a:t>· </a:t>
-            </a:r>
-            <a:r>
-              <a:rPr lang="en-US" sz="2400" b="1" dirty="0">
-                <a:solidFill>
-                  <a:schemeClr val="accent3">
-                    <a:lumMod val="50000"/>
-                  </a:schemeClr>
-                </a:solidFill>
-              </a:rPr>
-              <a:t>Animation and Effects</a:t>
-            </a:r>
-            <a:br>
-              <a:rPr lang="en-US" sz="2400" b="1" dirty="0">
-                <a:solidFill>
-                  <a:schemeClr val="accent3">
-                    <a:lumMod val="50000"/>
-                  </a:schemeClr>
-                </a:solidFill>
-              </a:rPr>
-            </a:br>
-            <a:br>
-              <a:rPr lang="en-US" sz="2400" dirty="0">
-                <a:solidFill>
-                  <a:schemeClr val="accent3">
-                    <a:lumMod val="50000"/>
-                  </a:schemeClr>
-                </a:solidFill>
-              </a:rPr>
-            </a:br>
-            <a:r>
-              <a:rPr lang="en-US" sz="2400" dirty="0">
-                <a:solidFill>
-                  <a:schemeClr val="accent3">
-                    <a:lumMod val="50000"/>
-                  </a:schemeClr>
-                </a:solidFill>
-              </a:rPr>
-              <a:t>· </a:t>
-            </a:r>
-            <a:r>
-              <a:rPr lang="en-US" sz="2400" b="1" dirty="0">
-                <a:solidFill>
-                  <a:schemeClr val="accent3">
-                    <a:lumMod val="50000"/>
-                  </a:schemeClr>
-                </a:solidFill>
-              </a:rPr>
-              <a:t>Collision Detection</a:t>
-            </a:r>
-            <a:br>
-              <a:rPr lang="en-US" sz="2400" b="1" dirty="0">
-                <a:solidFill>
-                  <a:schemeClr val="accent3">
-                    <a:lumMod val="50000"/>
-                  </a:schemeClr>
-                </a:solidFill>
-              </a:rPr>
-            </a:br>
-            <a:br>
-              <a:rPr lang="en-US" sz="2400" b="1" dirty="0">
-                <a:solidFill>
-                  <a:schemeClr val="accent3">
-                    <a:lumMod val="50000"/>
-                  </a:schemeClr>
-                </a:solidFill>
-              </a:rPr>
-            </a:br>
-            <a:r>
-              <a:rPr lang="en-US" sz="2400" b="1" dirty="0">
-                <a:solidFill>
-                  <a:schemeClr val="accent3">
-                    <a:lumMod val="50000"/>
-                  </a:schemeClr>
-                </a:solidFill>
-              </a:rPr>
-              <a:t>· Sound and Music</a:t>
-            </a:r>
-            <a:br>
-              <a:rPr lang="en-US" sz="2400" b="1" dirty="0">
-                <a:solidFill>
-                  <a:schemeClr val="accent3">
-                    <a:lumMod val="50000"/>
-                  </a:schemeClr>
-                </a:solidFill>
-              </a:rPr>
-            </a:br>
-            <a:br>
-              <a:rPr lang="en-US" sz="2400" b="1" dirty="0">
-                <a:solidFill>
-                  <a:schemeClr val="accent3">
-                    <a:lumMod val="50000"/>
-                  </a:schemeClr>
-                </a:solidFill>
-              </a:rPr>
-            </a:br>
-            <a:endParaRPr lang="en-US" sz="2400" dirty="0">
-              <a:solidFill>
-                <a:schemeClr val="accent3">
-                  <a:lumMod val="50000"/>
-                </a:schemeClr>
-              </a:solidFill>
-            </a:endParaRPr>
+              <a:rPr lang="en-US" sz="3600" b="1" dirty="0">
+                <a:solidFill>
+                  <a:schemeClr val="accent3">
+                    <a:lumMod val="50000"/>
+                  </a:schemeClr>
+                </a:solidFill>
+              </a:rPr>
+              <a:t>· Create and interface for playing against the AI or see how two AI bots can play against each other.</a:t>
+            </a:r>
           </a:p>
         </p:txBody>
       </p:sp>
@@ -5996,24 +6177,15 @@
           <a:lstStyle/>
           <a:p>
             <a:r>
-              <a:rPr lang="en-US" sz="3200" dirty="0">
+              <a:rPr lang="es-ES" sz="3200" dirty="0" err="1">
                 <a:solidFill>
                   <a:schemeClr val="bg1"/>
                 </a:solidFill>
                 <a:latin typeface="+mj-lt"/>
               </a:rPr>
-              <a:t>Methodology: </a:t>
-            </a:r>
-            <a:r>
-              <a:rPr lang="en-US" sz="3200" dirty="0" err="1">
-                <a:solidFill>
-                  <a:schemeClr val="bg1"/>
-                </a:solidFill>
-                <a:latin typeface="+mj-lt"/>
-              </a:rPr>
-              <a:t>Pygame</a:t>
-            </a:r>
-            <a:endParaRPr lang="en-US" sz="3200" dirty="0">
+              <a:t>Introduction</a:t>
+            </a:r>
+            <a:endParaRPr lang="es-ES" sz="3200" dirty="0">
               <a:solidFill>
                 <a:schemeClr val="bg1"/>
               </a:solidFill>
@@ -6022,191 +6194,10 @@
           </a:p>
         </p:txBody>
       </p:sp>
-      <p:sp>
-        <p:nvSpPr>
-          <p:cNvPr id="3" name="Title 1">
-            <a:extLst>
-              <a:ext uri="{FF2B5EF4-FFF2-40B4-BE49-F238E27FC236}">
-                <a16:creationId xmlns:a16="http://schemas.microsoft.com/office/drawing/2014/main" id="{3A1ACF51-9124-406F-5ECE-33922ED3A746}"/>
-              </a:ext>
-            </a:extLst>
-          </p:cNvPr>
-          <p:cNvSpPr txBox="1">
-            <a:spLocks/>
-          </p:cNvSpPr>
-          <p:nvPr/>
-        </p:nvSpPr>
-        <p:spPr>
-          <a:xfrm>
-            <a:off x="6096000" y="761999"/>
-            <a:ext cx="5994400" cy="6095999"/>
-          </a:xfrm>
-          <a:prstGeom prst="rect">
-            <a:avLst/>
-          </a:prstGeom>
-        </p:spPr>
-        <p:txBody>
-          <a:bodyPr vert="horz" lIns="91440" tIns="45720" rIns="91440" bIns="45720" rtlCol="0" anchor="ctr">
-            <a:noAutofit/>
-          </a:bodyPr>
-          <a:lstStyle>
-            <a:lvl1pPr algn="l" defTabSz="914400" rtl="0" eaLnBrk="1" latinLnBrk="0" hangingPunct="1">
-              <a:lnSpc>
-                <a:spcPct val="95000"/>
-              </a:lnSpc>
-              <a:spcBef>
-                <a:spcPct val="0"/>
-              </a:spcBef>
-              <a:buNone/>
-              <a:defRPr sz="4200" kern="1200" spc="-50" baseline="0">
-                <a:solidFill>
-                  <a:schemeClr val="tx1"/>
-                </a:solidFill>
-                <a:latin typeface="+mj-lt"/>
-                <a:ea typeface="+mj-ea"/>
-                <a:cs typeface="+mj-cs"/>
-              </a:defRPr>
-            </a:lvl1pPr>
-          </a:lstStyle>
-          <a:p>
-            <a:r>
-              <a:rPr lang="en-US" sz="2400" b="1" dirty="0">
-                <a:solidFill>
-                  <a:schemeClr val="accent3">
-                    <a:lumMod val="50000"/>
-                  </a:schemeClr>
-                </a:solidFill>
-              </a:rPr>
-              <a:t>· User Interface (UI) </a:t>
-            </a:r>
-          </a:p>
-          <a:p>
-            <a:br>
-              <a:rPr lang="en-US" sz="2400" b="1" dirty="0">
-                <a:solidFill>
-                  <a:schemeClr val="accent3">
-                    <a:lumMod val="50000"/>
-                  </a:schemeClr>
-                </a:solidFill>
-              </a:rPr>
-            </a:br>
-            <a:r>
-              <a:rPr lang="en-US" sz="2400" b="1" dirty="0">
-                <a:solidFill>
-                  <a:schemeClr val="accent3">
-                    <a:lumMod val="50000"/>
-                  </a:schemeClr>
-                </a:solidFill>
-              </a:rPr>
-              <a:t>· Game Logic and State Management</a:t>
-            </a:r>
-          </a:p>
-          <a:p>
-            <a:br>
-              <a:rPr lang="en-US" sz="2400" b="1" dirty="0">
-                <a:solidFill>
-                  <a:schemeClr val="accent3">
-                    <a:lumMod val="50000"/>
-                  </a:schemeClr>
-                </a:solidFill>
-              </a:rPr>
-            </a:br>
-            <a:r>
-              <a:rPr lang="en-US" sz="2400" b="1" dirty="0">
-                <a:solidFill>
-                  <a:schemeClr val="accent3">
-                    <a:lumMod val="50000"/>
-                  </a:schemeClr>
-                </a:solidFill>
-              </a:rPr>
-              <a:t>· AI Integration</a:t>
-            </a:r>
-          </a:p>
-          <a:p>
-            <a:br>
-              <a:rPr lang="en-US" sz="2400" dirty="0">
-                <a:solidFill>
-                  <a:schemeClr val="accent3">
-                    <a:lumMod val="50000"/>
-                  </a:schemeClr>
-                </a:solidFill>
-              </a:rPr>
-            </a:br>
-            <a:r>
-              <a:rPr lang="en-US" sz="2400" dirty="0">
-                <a:solidFill>
-                  <a:schemeClr val="accent3">
-                    <a:lumMod val="50000"/>
-                  </a:schemeClr>
-                </a:solidFill>
-              </a:rPr>
-              <a:t>· </a:t>
-            </a:r>
-            <a:r>
-              <a:rPr lang="en-US" sz="2400" b="1" dirty="0">
-                <a:solidFill>
-                  <a:schemeClr val="accent3">
-                    <a:lumMod val="50000"/>
-                  </a:schemeClr>
-                </a:solidFill>
-              </a:rPr>
-              <a:t>Customization and Styling</a:t>
-            </a:r>
-          </a:p>
-          <a:p>
-            <a:br>
-              <a:rPr lang="en-US" sz="2400" b="1" dirty="0">
-                <a:solidFill>
-                  <a:schemeClr val="accent3">
-                    <a:lumMod val="50000"/>
-                  </a:schemeClr>
-                </a:solidFill>
-              </a:rPr>
-            </a:br>
-            <a:r>
-              <a:rPr lang="en-US" sz="2400" b="1" dirty="0">
-                <a:solidFill>
-                  <a:schemeClr val="accent3">
-                    <a:lumMod val="50000"/>
-                  </a:schemeClr>
-                </a:solidFill>
-              </a:rPr>
-              <a:t>· Cross-Platform Compatibility</a:t>
-            </a:r>
-          </a:p>
-          <a:p>
-            <a:endParaRPr lang="en-US" sz="2400" b="1" dirty="0">
-              <a:solidFill>
-                <a:schemeClr val="accent3">
-                  <a:lumMod val="50000"/>
-                </a:schemeClr>
-              </a:solidFill>
-            </a:endParaRPr>
-          </a:p>
-          <a:p>
-            <a:endParaRPr lang="en-US" sz="2400" b="1" dirty="0">
-              <a:solidFill>
-                <a:schemeClr val="accent3">
-                  <a:lumMod val="50000"/>
-                </a:schemeClr>
-              </a:solidFill>
-            </a:endParaRPr>
-          </a:p>
-          <a:p>
-            <a:endParaRPr lang="en-US" sz="2400" b="1" dirty="0">
-              <a:solidFill>
-                <a:schemeClr val="accent3">
-                  <a:lumMod val="50000"/>
-                </a:schemeClr>
-              </a:solidFill>
-            </a:endParaRPr>
-          </a:p>
-        </p:txBody>
-      </p:sp>
     </p:spTree>
     <p:extLst>
       <p:ext uri="{BB962C8B-B14F-4D97-AF65-F5344CB8AC3E}">
-        <p14:creationId xmlns:p14="http://schemas.microsoft.com/office/powerpoint/2010/main" val="3037558174"/>
+        <p14:creationId xmlns:p14="http://schemas.microsoft.com/office/powerpoint/2010/main" val="2728418419"/>
       </p:ext>
     </p:extLst>
   </p:cSld>
@@ -6216,7 +6207,7 @@
 </p:sld>
 </file>
 
-<file path=ppt/slides/slide5.xml><?xml version="1.0" encoding="utf-8"?>
+<file path=ppt/slides/slide3.xml><?xml version="1.0" encoding="utf-8"?>
 <p:sld xmlns:a="http://schemas.openxmlformats.org/drawingml/2006/main" xmlns:r="http://schemas.openxmlformats.org/officeDocument/2006/relationships" xmlns:p="http://schemas.openxmlformats.org/presentationml/2006/main">
   <p:cSld>
     <p:bg>
@@ -6624,8 +6615,8 @@
         </p:nvSpPr>
         <p:spPr>
           <a:xfrm>
-            <a:off x="762000" y="779592"/>
-            <a:ext cx="5334000" cy="6078406"/>
+            <a:off x="762000" y="762000"/>
+            <a:ext cx="11054080" cy="6095999"/>
           </a:xfrm>
         </p:spPr>
         <p:txBody>
@@ -6634,27 +6625,38 @@
           </a:bodyPr>
           <a:lstStyle/>
           <a:p>
+            <a:r>
+              <a:rPr lang="en-US" sz="2400" b="1" dirty="0">
+                <a:solidFill>
+                  <a:schemeClr val="accent3">
+                    <a:lumMod val="50000"/>
+                  </a:schemeClr>
+                </a:solidFill>
+              </a:rPr>
+              <a:t>· Create a checkers game and board using the python module </a:t>
+            </a:r>
+            <a:r>
+              <a:rPr lang="en-US" sz="2400" b="1" i="1" dirty="0" err="1">
+                <a:solidFill>
+                  <a:schemeClr val="accent3">
+                    <a:lumMod val="50000"/>
+                  </a:schemeClr>
+                </a:solidFill>
+              </a:rPr>
+              <a:t>pygame</a:t>
+            </a:r>
+            <a:r>
+              <a:rPr lang="en-US" sz="2400" b="1" i="1" dirty="0">
+                <a:solidFill>
+                  <a:schemeClr val="accent3">
+                    <a:lumMod val="50000"/>
+                  </a:schemeClr>
+                </a:solidFill>
+              </a:rPr>
+              <a:t>. </a:t>
+            </a:r>
             <a:br>
-              <a:rPr lang="en-US" sz="2400" dirty="0">
-                <a:solidFill>
-                  <a:schemeClr val="accent3">
-                    <a:lumMod val="50000"/>
-                  </a:schemeClr>
-                </a:solidFill>
-              </a:rPr>
-            </a:br>
-            <a:r>
-              <a:rPr lang="en-US" sz="2400" dirty="0">
-                <a:solidFill>
-                  <a:schemeClr val="accent3">
-                    <a:lumMod val="50000"/>
-                  </a:schemeClr>
-                </a:solidFill>
-              </a:rPr>
-              <a:t>· Code Organization and Readability</a:t>
-            </a:r>
-            <a:br>
-              <a:rPr lang="en-US" sz="2400" dirty="0">
+              <a:rPr lang="en-US" sz="2400" b="1" i="1" dirty="0">
                 <a:solidFill>
                   <a:schemeClr val="accent3">
                     <a:lumMod val="50000"/>
@@ -6663,138 +6665,7 @@
               </a:rPr>
             </a:br>
             <a:br>
-              <a:rPr lang="en-US" sz="2400" dirty="0">
-                <a:solidFill>
-                  <a:schemeClr val="accent3">
-                    <a:lumMod val="50000"/>
-                  </a:schemeClr>
-                </a:solidFill>
-              </a:rPr>
-            </a:br>
-            <a:r>
-              <a:rPr lang="en-US" sz="2400" dirty="0">
-                <a:solidFill>
-                  <a:schemeClr val="accent3">
-                    <a:lumMod val="50000"/>
-                  </a:schemeClr>
-                </a:solidFill>
-              </a:rPr>
-              <a:t>· Modularity and Reusability</a:t>
-            </a:r>
-            <a:br>
-              <a:rPr lang="en-US" sz="2400" dirty="0">
-                <a:solidFill>
-                  <a:schemeClr val="accent3">
-                    <a:lumMod val="50000"/>
-                  </a:schemeClr>
-                </a:solidFill>
-              </a:rPr>
-            </a:br>
-            <a:br>
-              <a:rPr lang="en-US" sz="2400" dirty="0">
-                <a:solidFill>
-                  <a:schemeClr val="accent3">
-                    <a:lumMod val="50000"/>
-                  </a:schemeClr>
-                </a:solidFill>
-              </a:rPr>
-            </a:br>
-            <a:r>
-              <a:rPr lang="en-US" sz="2400" dirty="0">
-                <a:solidFill>
-                  <a:schemeClr val="accent3">
-                    <a:lumMod val="50000"/>
-                  </a:schemeClr>
-                </a:solidFill>
-              </a:rPr>
-              <a:t>· Collaboration and Teamwork</a:t>
-            </a:r>
-            <a:br>
-              <a:rPr lang="en-US" sz="2400" dirty="0">
-                <a:solidFill>
-                  <a:schemeClr val="accent3">
-                    <a:lumMod val="50000"/>
-                  </a:schemeClr>
-                </a:solidFill>
-              </a:rPr>
-            </a:br>
-            <a:br>
-              <a:rPr lang="en-US" sz="2400" dirty="0">
-                <a:solidFill>
-                  <a:schemeClr val="accent3">
-                    <a:lumMod val="50000"/>
-                  </a:schemeClr>
-                </a:solidFill>
-              </a:rPr>
-            </a:br>
-            <a:r>
-              <a:rPr lang="en-US" sz="2400" dirty="0">
-                <a:solidFill>
-                  <a:schemeClr val="accent3">
-                    <a:lumMod val="50000"/>
-                  </a:schemeClr>
-                </a:solidFill>
-              </a:rPr>
-              <a:t>· Ease of Maintenance</a:t>
-            </a:r>
-            <a:br>
-              <a:rPr lang="en-US" sz="2400" dirty="0">
-                <a:solidFill>
-                  <a:schemeClr val="accent3">
-                    <a:lumMod val="50000"/>
-                  </a:schemeClr>
-                </a:solidFill>
-              </a:rPr>
-            </a:br>
-            <a:br>
-              <a:rPr lang="en-US" sz="2400" dirty="0">
-                <a:solidFill>
-                  <a:schemeClr val="accent3">
-                    <a:lumMod val="50000"/>
-                  </a:schemeClr>
-                </a:solidFill>
-              </a:rPr>
-            </a:br>
-            <a:r>
-              <a:rPr lang="en-US" sz="2400" dirty="0">
-                <a:solidFill>
-                  <a:schemeClr val="accent3">
-                    <a:lumMod val="50000"/>
-                  </a:schemeClr>
-                </a:solidFill>
-              </a:rPr>
-              <a:t>· Scalability</a:t>
-            </a:r>
-            <a:br>
-              <a:rPr lang="en-US" sz="2400" dirty="0">
-                <a:solidFill>
-                  <a:schemeClr val="accent3">
-                    <a:lumMod val="50000"/>
-                  </a:schemeClr>
-                </a:solidFill>
-              </a:rPr>
-            </a:br>
-            <a:br>
-              <a:rPr lang="en-US" sz="2400" dirty="0">
-                <a:solidFill>
-                  <a:schemeClr val="accent3">
-                    <a:lumMod val="50000"/>
-                  </a:schemeClr>
-                </a:solidFill>
-              </a:rPr>
-            </a:br>
-            <a:r>
-              <a:rPr lang="en-US" sz="2400" dirty="0">
-                <a:solidFill>
-                  <a:schemeClr val="accent3">
-                    <a:lumMod val="50000"/>
-                  </a:schemeClr>
-                </a:solidFill>
-              </a:rPr>
-              <a:t>· Version Control and History</a:t>
-            </a:r>
-            <a:br>
-              <a:rPr lang="en-US" sz="2400" b="1" dirty="0">
+              <a:rPr lang="en-US" sz="2400" b="1" i="1" dirty="0">
                 <a:solidFill>
                   <a:schemeClr val="accent3">
                     <a:lumMod val="50000"/>
@@ -6811,120 +6682,6 @@
                 </a:solidFill>
               </a:rPr>
             </a:br>
-            <a:endParaRPr lang="en-US" sz="2400" dirty="0">
-              <a:solidFill>
-                <a:schemeClr val="accent3">
-                  <a:lumMod val="50000"/>
-                </a:schemeClr>
-              </a:solidFill>
-            </a:endParaRPr>
-          </a:p>
-        </p:txBody>
-      </p:sp>
-      <p:sp>
-        <p:nvSpPr>
-          <p:cNvPr id="4" name="TextBox 3">
-            <a:extLst>
-              <a:ext uri="{FF2B5EF4-FFF2-40B4-BE49-F238E27FC236}">
-                <a16:creationId xmlns:a16="http://schemas.microsoft.com/office/drawing/2014/main" id="{6E876584-5AE5-ECBD-5D64-C2FD55E2E46A}"/>
-              </a:ext>
-            </a:extLst>
-          </p:cNvPr>
-          <p:cNvSpPr txBox="1"/>
-          <p:nvPr/>
-        </p:nvSpPr>
-        <p:spPr>
-          <a:xfrm>
-            <a:off x="762000" y="167701"/>
-            <a:ext cx="7315200" cy="1077218"/>
-          </a:xfrm>
-          <a:prstGeom prst="rect">
-            <a:avLst/>
-          </a:prstGeom>
-          <a:noFill/>
-        </p:spPr>
-        <p:txBody>
-          <a:bodyPr wrap="square" rtlCol="0">
-            <a:spAutoFit/>
-          </a:bodyPr>
-          <a:lstStyle/>
-          <a:p>
-            <a:r>
-              <a:rPr lang="en-US" sz="3200" dirty="0">
-                <a:solidFill>
-                  <a:schemeClr val="bg1"/>
-                </a:solidFill>
-                <a:latin typeface="+mj-lt"/>
-              </a:rPr>
-              <a:t>Methodology: </a:t>
-            </a:r>
-            <a:r>
-              <a:rPr lang="en-GB" sz="3200" dirty="0">
-                <a:solidFill>
-                  <a:schemeClr val="bg1"/>
-                </a:solidFill>
-                <a:latin typeface="+mj-lt"/>
-              </a:rPr>
-              <a:t>Repository structure</a:t>
-            </a:r>
-          </a:p>
-          <a:p>
-            <a:endParaRPr lang="en-US" sz="3200" dirty="0">
-              <a:solidFill>
-                <a:schemeClr val="bg1"/>
-              </a:solidFill>
-              <a:latin typeface="+mj-lt"/>
-            </a:endParaRPr>
-          </a:p>
-        </p:txBody>
-      </p:sp>
-      <p:sp>
-        <p:nvSpPr>
-          <p:cNvPr id="3" name="Title 1">
-            <a:extLst>
-              <a:ext uri="{FF2B5EF4-FFF2-40B4-BE49-F238E27FC236}">
-                <a16:creationId xmlns:a16="http://schemas.microsoft.com/office/drawing/2014/main" id="{3A1ACF51-9124-406F-5ECE-33922ED3A746}"/>
-              </a:ext>
-            </a:extLst>
-          </p:cNvPr>
-          <p:cNvSpPr txBox="1">
-            <a:spLocks/>
-          </p:cNvSpPr>
-          <p:nvPr/>
-        </p:nvSpPr>
-        <p:spPr>
-          <a:xfrm>
-            <a:off x="6096000" y="761999"/>
-            <a:ext cx="5994400" cy="6095999"/>
-          </a:xfrm>
-          <a:prstGeom prst="rect">
-            <a:avLst/>
-          </a:prstGeom>
-        </p:spPr>
-        <p:txBody>
-          <a:bodyPr vert="horz" lIns="91440" tIns="45720" rIns="91440" bIns="45720" rtlCol="0" anchor="ctr">
-            <a:noAutofit/>
-          </a:bodyPr>
-          <a:lstStyle>
-            <a:lvl1pPr algn="l" defTabSz="914400" rtl="0" eaLnBrk="1" latinLnBrk="0" hangingPunct="1">
-              <a:lnSpc>
-                <a:spcPct val="95000"/>
-              </a:lnSpc>
-              <a:spcBef>
-                <a:spcPct val="0"/>
-              </a:spcBef>
-              <a:buNone/>
-              <a:defRPr sz="4200" kern="1200" spc="-50" baseline="0">
-                <a:solidFill>
-                  <a:schemeClr val="tx1"/>
-                </a:solidFill>
-                <a:latin typeface="+mj-lt"/>
-                <a:ea typeface="+mj-ea"/>
-                <a:cs typeface="+mj-cs"/>
-              </a:defRPr>
-            </a:lvl1pPr>
-          </a:lstStyle>
-          <a:p>
             <a:r>
               <a:rPr lang="en-US" sz="2400" b="1" dirty="0">
                 <a:solidFill>
@@ -6933,10 +6690,8 @@
                   </a:schemeClr>
                 </a:solidFill>
               </a:rPr>
-              <a:t>· Documentation</a:t>
-            </a:r>
-          </a:p>
-          <a:p>
+              <a:t>· Use the algorithm Minimax programmed in python 3.9.16 to decide the movements of the AI.</a:t>
+            </a:r>
             <a:br>
               <a:rPr lang="en-US" sz="2400" b="1" dirty="0">
                 <a:solidFill>
@@ -6946,18 +6701,6 @@
                 </a:solidFill>
               </a:rPr>
             </a:br>
-            <a:r>
-              <a:rPr lang="en-US" sz="2400" b="1" dirty="0">
-                <a:solidFill>
-                  <a:schemeClr val="accent3">
-                    <a:lumMod val="50000"/>
-                  </a:schemeClr>
-                </a:solidFill>
-              </a:rPr>
-              <a:t>· Testing and Quality Assurance</a:t>
-            </a:r>
-          </a:p>
-          <a:p>
             <a:br>
               <a:rPr lang="en-US" sz="2400" b="1" dirty="0">
                 <a:solidFill>
@@ -6967,18 +6710,6 @@
                 </a:solidFill>
               </a:rPr>
             </a:br>
-            <a:r>
-              <a:rPr lang="en-US" sz="2400" b="1" dirty="0">
-                <a:solidFill>
-                  <a:schemeClr val="accent3">
-                    <a:lumMod val="50000"/>
-                  </a:schemeClr>
-                </a:solidFill>
-              </a:rPr>
-              <a:t>· Deployment and Continuous Integration</a:t>
-            </a:r>
-          </a:p>
-          <a:p>
             <a:br>
               <a:rPr lang="en-US" sz="2400" b="1" dirty="0">
                 <a:solidFill>
@@ -6996,52 +6727,18 @@
                   </a:schemeClr>
                 </a:solidFill>
               </a:rPr>
-              <a:t>· Reduced Technical Debt</a:t>
-            </a:r>
-          </a:p>
-          <a:p>
-            <a:br>
-              <a:rPr lang="en-US" sz="2400" b="1" dirty="0">
-                <a:solidFill>
-                  <a:schemeClr val="accent3">
-                    <a:lumMod val="50000"/>
-                  </a:schemeClr>
-                </a:solidFill>
-              </a:rPr>
-            </a:br>
-            <a:r>
-              <a:rPr lang="en-US" sz="2400" b="1" dirty="0">
-                <a:solidFill>
-                  <a:schemeClr val="accent3">
-                    <a:lumMod val="50000"/>
-                  </a:schemeClr>
-                </a:solidFill>
-              </a:rPr>
-              <a:t>· Onboarding and Knowledge Transfer</a:t>
-            </a:r>
-          </a:p>
-          <a:p>
-            <a:br>
-              <a:rPr lang="en-US" sz="2400" b="1" dirty="0">
-                <a:solidFill>
-                  <a:schemeClr val="accent3">
-                    <a:lumMod val="50000"/>
-                  </a:schemeClr>
-                </a:solidFill>
-              </a:rPr>
-            </a:br>
-            <a:r>
-              <a:rPr lang="en-US" sz="2400" b="1" dirty="0">
-                <a:solidFill>
-                  <a:schemeClr val="accent3">
-                    <a:lumMod val="50000"/>
-                  </a:schemeClr>
-                </a:solidFill>
-              </a:rPr>
-              <a:t>· Code Reviews</a:t>
-            </a:r>
-          </a:p>
-          <a:p>
+              <a:t>· Optimize the algorithm Minimax using Alpha-Beta </a:t>
+            </a:r>
+            <a:r>
+              <a:rPr lang="en-US" sz="2400" b="1" dirty="0" err="1">
+                <a:solidFill>
+                  <a:schemeClr val="accent3">
+                    <a:lumMod val="50000"/>
+                  </a:schemeClr>
+                </a:solidFill>
+              </a:rPr>
+              <a:t>prunning</a:t>
+            </a:r>
             <a:endParaRPr lang="en-US" sz="2400" b="1" dirty="0">
               <a:solidFill>
                 <a:schemeClr val="accent3">
@@ -7052,10 +6749,50 @@
           </a:p>
         </p:txBody>
       </p:sp>
+      <p:sp>
+        <p:nvSpPr>
+          <p:cNvPr id="4" name="TextBox 3">
+            <a:extLst>
+              <a:ext uri="{FF2B5EF4-FFF2-40B4-BE49-F238E27FC236}">
+                <a16:creationId xmlns:a16="http://schemas.microsoft.com/office/drawing/2014/main" id="{6E876584-5AE5-ECBD-5D64-C2FD55E2E46A}"/>
+              </a:ext>
+            </a:extLst>
+          </p:cNvPr>
+          <p:cNvSpPr txBox="1"/>
+          <p:nvPr/>
+        </p:nvSpPr>
+        <p:spPr>
+          <a:xfrm>
+            <a:off x="762000" y="167701"/>
+            <a:ext cx="5994400" cy="584775"/>
+          </a:xfrm>
+          <a:prstGeom prst="rect">
+            <a:avLst/>
+          </a:prstGeom>
+          <a:noFill/>
+        </p:spPr>
+        <p:txBody>
+          <a:bodyPr wrap="square" rtlCol="0">
+            <a:spAutoFit/>
+          </a:bodyPr>
+          <a:lstStyle/>
+          <a:p>
+            <a:r>
+              <a:rPr lang="en-AU" sz="3200" dirty="0">
+                <a:solidFill>
+                  <a:schemeClr val="bg1"/>
+                </a:solidFill>
+                <a:latin typeface="+mj-lt"/>
+              </a:rPr>
+              <a:t>Methodology</a:t>
+            </a:r>
+          </a:p>
+        </p:txBody>
+      </p:sp>
     </p:spTree>
     <p:extLst>
       <p:ext uri="{BB962C8B-B14F-4D97-AF65-F5344CB8AC3E}">
-        <p14:creationId xmlns:p14="http://schemas.microsoft.com/office/powerpoint/2010/main" val="3052576363"/>
+        <p14:creationId xmlns:p14="http://schemas.microsoft.com/office/powerpoint/2010/main" val="1843232997"/>
       </p:ext>
     </p:extLst>
   </p:cSld>
@@ -7065,7 +6802,7 @@
 </p:sld>
 </file>
 
-<file path=ppt/slides/slide6.xml><?xml version="1.0" encoding="utf-8"?>
+<file path=ppt/slides/slide4.xml><?xml version="1.0" encoding="utf-8"?>
 <p:sld xmlns:a="http://schemas.openxmlformats.org/drawingml/2006/main" xmlns:r="http://schemas.openxmlformats.org/officeDocument/2006/relationships" xmlns:p="http://schemas.openxmlformats.org/presentationml/2006/main">
   <p:cSld>
     <p:bg>
@@ -7473,8 +7210,8 @@
         </p:nvSpPr>
         <p:spPr>
           <a:xfrm>
-            <a:off x="762000" y="779592"/>
-            <a:ext cx="5334000" cy="6078406"/>
+            <a:off x="762000" y="701040"/>
+            <a:ext cx="5405120" cy="6156960"/>
           </a:xfrm>
         </p:spPr>
         <p:txBody>
@@ -7500,10 +7237,20 @@
                   </a:schemeClr>
                 </a:solidFill>
               </a:rPr>
-              <a:t>· Objective</a:t>
+              <a:t>· </a:t>
+            </a:r>
+            <a:r>
+              <a:rPr lang="en-US" sz="2400" b="1" dirty="0">
+                <a:solidFill>
+                  <a:schemeClr val="accent3">
+                    <a:lumMod val="50000"/>
+                  </a:schemeClr>
+                </a:solidFill>
+              </a:rPr>
+              <a:t>Graphics Rendering</a:t>
             </a:r>
             <a:br>
-              <a:rPr lang="en-US" sz="2400" dirty="0">
+              <a:rPr lang="en-US" sz="2400" b="1" dirty="0">
                 <a:solidFill>
                   <a:schemeClr val="accent3">
                     <a:lumMod val="50000"/>
@@ -7528,10 +7275,20 @@
                   </a:schemeClr>
                 </a:solidFill>
               </a:rPr>
-              <a:t>· Two-Player, Zero-Sum Games</a:t>
+              <a:t>· </a:t>
+            </a:r>
+            <a:r>
+              <a:rPr lang="en-US" sz="2400" b="1" dirty="0">
+                <a:solidFill>
+                  <a:schemeClr val="accent3">
+                    <a:lumMod val="50000"/>
+                  </a:schemeClr>
+                </a:solidFill>
+              </a:rPr>
+              <a:t>Input Handling</a:t>
             </a:r>
             <a:br>
-              <a:rPr lang="en-US" sz="2400" dirty="0">
+              <a:rPr lang="en-US" sz="2400" b="1" dirty="0">
                 <a:solidFill>
                   <a:schemeClr val="accent3">
                     <a:lumMod val="50000"/>
@@ -7556,10 +7313,20 @@
                   </a:schemeClr>
                 </a:solidFill>
               </a:rPr>
-              <a:t>· Recursive Approach</a:t>
+              <a:t>· </a:t>
+            </a:r>
+            <a:r>
+              <a:rPr lang="en-US" sz="2400" b="1" dirty="0">
+                <a:solidFill>
+                  <a:schemeClr val="accent3">
+                    <a:lumMod val="50000"/>
+                  </a:schemeClr>
+                </a:solidFill>
+              </a:rPr>
+              <a:t>Event Management</a:t>
             </a:r>
             <a:br>
-              <a:rPr lang="en-US" sz="2400" dirty="0">
+              <a:rPr lang="en-US" sz="2400" b="1" dirty="0">
                 <a:solidFill>
                   <a:schemeClr val="accent3">
                     <a:lumMod val="50000"/>
@@ -7584,10 +7351,20 @@
                   </a:schemeClr>
                 </a:solidFill>
               </a:rPr>
-              <a:t>· Maximizing and Minimizing</a:t>
+              <a:t>· </a:t>
+            </a:r>
+            <a:r>
+              <a:rPr lang="en-US" sz="2400" b="1" dirty="0">
+                <a:solidFill>
+                  <a:schemeClr val="accent3">
+                    <a:lumMod val="50000"/>
+                  </a:schemeClr>
+                </a:solidFill>
+              </a:rPr>
+              <a:t>Animation and Effects</a:t>
             </a:r>
             <a:br>
-              <a:rPr lang="en-US" sz="2400" dirty="0">
+              <a:rPr lang="en-US" sz="2400" b="1" dirty="0">
                 <a:solidFill>
                   <a:schemeClr val="accent3">
                     <a:lumMod val="50000"/>
@@ -7596,7 +7373,7 @@
               </a:rPr>
             </a:br>
             <a:br>
-              <a:rPr lang="en-US" sz="2400" dirty="0">
+              <a:rPr lang="en-US" sz="2400" b="1" dirty="0">
                 <a:solidFill>
                   <a:schemeClr val="accent3">
                     <a:lumMod val="50000"/>
@@ -7605,42 +7382,14 @@
               </a:rPr>
             </a:br>
             <a:r>
-              <a:rPr lang="en-US" sz="2400" dirty="0">
-                <a:solidFill>
-                  <a:schemeClr val="accent3">
-                    <a:lumMod val="50000"/>
-                  </a:schemeClr>
-                </a:solidFill>
-              </a:rPr>
-              <a:t>· Evaluation Function</a:t>
-            </a:r>
-            <a:br>
-              <a:rPr lang="en-US" sz="2400" dirty="0">
-                <a:solidFill>
-                  <a:schemeClr val="accent3">
-                    <a:lumMod val="50000"/>
-                  </a:schemeClr>
-                </a:solidFill>
-              </a:rPr>
-            </a:br>
-            <a:br>
-              <a:rPr lang="en-US" sz="2400" dirty="0">
-                <a:solidFill>
-                  <a:schemeClr val="accent3">
-                    <a:lumMod val="50000"/>
-                  </a:schemeClr>
-                </a:solidFill>
-              </a:rPr>
-            </a:br>
-            <a:r>
-              <a:rPr lang="en-US" sz="2400" dirty="0">
-                <a:solidFill>
-                  <a:schemeClr val="accent3">
-                    <a:lumMod val="50000"/>
-                  </a:schemeClr>
-                </a:solidFill>
-              </a:rPr>
-              <a:t>· Backpropagation</a:t>
+              <a:rPr lang="en-US" sz="2400" b="1" dirty="0">
+                <a:solidFill>
+                  <a:schemeClr val="accent3">
+                    <a:lumMod val="50000"/>
+                  </a:schemeClr>
+                </a:solidFill>
+              </a:rPr>
+              <a:t>· Sound and Music</a:t>
             </a:r>
             <a:br>
               <a:rPr lang="en-US" sz="2400" b="1" dirty="0">
@@ -7685,7 +7434,7 @@
         <p:spPr>
           <a:xfrm>
             <a:off x="762000" y="167701"/>
-            <a:ext cx="7315200" cy="1077218"/>
+            <a:ext cx="5994400" cy="584775"/>
           </a:xfrm>
           <a:prstGeom prst="rect">
             <a:avLst/>
@@ -7708,16 +7457,14 @@
               <a:t>Methodology: </a:t>
             </a:r>
             <a:r>
-              <a:rPr lang="en-GB" sz="3200" dirty="0">
+              <a:rPr lang="en-US" sz="3200" dirty="0" err="1">
                 <a:solidFill>
                   <a:schemeClr val="bg1"/>
                 </a:solidFill>
                 <a:latin typeface="+mj-lt"/>
               </a:rPr>
-              <a:t>Minimax algorithm</a:t>
-            </a:r>
-          </a:p>
-          <a:p>
+              <a:t>Pygame</a:t>
+            </a:r>
             <a:endParaRPr lang="en-US" sz="3200" dirty="0">
               <a:solidFill>
                 <a:schemeClr val="bg1"/>
@@ -7775,14 +7522,56 @@
           </a:lstStyle>
           <a:p>
             <a:r>
-              <a:rPr lang="en-US" sz="2400" dirty="0">
-                <a:solidFill>
-                  <a:schemeClr val="accent3">
-                    <a:lumMod val="50000"/>
-                  </a:schemeClr>
-                </a:solidFill>
-              </a:rPr>
-              <a:t>· Alpha-Beta Pruning</a:t>
+              <a:rPr lang="en-US" sz="2400" b="1" dirty="0">
+                <a:solidFill>
+                  <a:schemeClr val="accent3">
+                    <a:lumMod val="50000"/>
+                  </a:schemeClr>
+                </a:solidFill>
+              </a:rPr>
+              <a:t>· User Interface (UI) </a:t>
+            </a:r>
+          </a:p>
+          <a:p>
+            <a:br>
+              <a:rPr lang="en-US" sz="2400" b="1" dirty="0">
+                <a:solidFill>
+                  <a:schemeClr val="accent3">
+                    <a:lumMod val="50000"/>
+                  </a:schemeClr>
+                </a:solidFill>
+              </a:rPr>
+            </a:br>
+            <a:r>
+              <a:rPr lang="en-US" sz="2400" b="1" dirty="0">
+                <a:solidFill>
+                  <a:schemeClr val="accent3">
+                    <a:lumMod val="50000"/>
+                  </a:schemeClr>
+                </a:solidFill>
+              </a:rPr>
+              <a:t>· Game Logic and State Management</a:t>
+            </a:r>
+          </a:p>
+          <a:p>
+            <a:br>
+              <a:rPr lang="en-US" sz="2400" b="1" dirty="0">
+                <a:solidFill>
+                  <a:schemeClr val="accent3">
+                    <a:lumMod val="50000"/>
+                  </a:schemeClr>
+                </a:solidFill>
+              </a:rPr>
+            </a:br>
+            <a:r>
+              <a:rPr lang="en-US" sz="2400" b="1" dirty="0">
+                <a:solidFill>
+                  <a:schemeClr val="accent3">
+                    <a:lumMod val="50000"/>
+                  </a:schemeClr>
+                </a:solidFill>
+              </a:rPr>
+              <a:t>· AI Integration</a:t>
             </a:r>
           </a:p>
           <a:p>
@@ -7803,12 +7592,22 @@
                   </a:schemeClr>
                 </a:solidFill>
               </a:rPr>
-              <a:t>· Depth-Limited Search</a:t>
+              <a:t>· </a:t>
+            </a:r>
+            <a:r>
+              <a:rPr lang="en-US" sz="2400" b="1" dirty="0">
+                <a:solidFill>
+                  <a:schemeClr val="accent3">
+                    <a:lumMod val="50000"/>
+                  </a:schemeClr>
+                </a:solidFill>
+              </a:rPr>
+              <a:t>Customization and Styling</a:t>
             </a:r>
           </a:p>
           <a:p>
             <a:br>
-              <a:rPr lang="en-US" sz="2400" dirty="0">
+              <a:rPr lang="en-US" sz="2400" b="1" dirty="0">
                 <a:solidFill>
                   <a:schemeClr val="accent3">
                     <a:lumMod val="50000"/>
@@ -7817,77 +7616,14 @@
               </a:rPr>
             </a:br>
             <a:r>
-              <a:rPr lang="en-US" sz="2400" dirty="0">
-                <a:solidFill>
-                  <a:schemeClr val="accent3">
-                    <a:lumMod val="50000"/>
-                  </a:schemeClr>
-                </a:solidFill>
-              </a:rPr>
-              <a:t>· Challenges and Considerations</a:t>
-            </a:r>
-          </a:p>
-          <a:p>
-            <a:br>
-              <a:rPr lang="en-US" sz="2400" dirty="0">
-                <a:solidFill>
-                  <a:schemeClr val="accent3">
-                    <a:lumMod val="50000"/>
-                  </a:schemeClr>
-                </a:solidFill>
-              </a:rPr>
-            </a:br>
-            <a:r>
-              <a:rPr lang="en-US" sz="2400" dirty="0">
-                <a:solidFill>
-                  <a:schemeClr val="accent3">
-                    <a:lumMod val="50000"/>
-                  </a:schemeClr>
-                </a:solidFill>
-              </a:rPr>
-              <a:t>· Application Beyond Games</a:t>
-            </a:r>
-          </a:p>
-          <a:p>
-            <a:br>
-              <a:rPr lang="en-US" sz="2400" dirty="0">
-                <a:solidFill>
-                  <a:schemeClr val="accent3">
-                    <a:lumMod val="50000"/>
-                  </a:schemeClr>
-                </a:solidFill>
-              </a:rPr>
-            </a:br>
-            <a:r>
-              <a:rPr lang="en-US" sz="2400" dirty="0">
-                <a:solidFill>
-                  <a:schemeClr val="accent3">
-                    <a:lumMod val="50000"/>
-                  </a:schemeClr>
-                </a:solidFill>
-              </a:rPr>
-              <a:t>· Enhancements</a:t>
-            </a:r>
-          </a:p>
-          <a:p>
-            <a:br>
-              <a:rPr lang="en-US" sz="2400" dirty="0">
-                <a:solidFill>
-                  <a:schemeClr val="accent3">
-                    <a:lumMod val="50000"/>
-                  </a:schemeClr>
-                </a:solidFill>
-              </a:rPr>
-            </a:br>
-            <a:r>
-              <a:rPr lang="en-US" sz="2400" dirty="0">
-                <a:solidFill>
-                  <a:schemeClr val="accent3">
-                    <a:lumMod val="50000"/>
-                  </a:schemeClr>
-                </a:solidFill>
-              </a:rPr>
-              <a:t>· Future Directions</a:t>
+              <a:rPr lang="en-US" sz="2400" b="1" dirty="0">
+                <a:solidFill>
+                  <a:schemeClr val="accent3">
+                    <a:lumMod val="50000"/>
+                  </a:schemeClr>
+                </a:solidFill>
+              </a:rPr>
+              <a:t>· Cross-Platform Compatibility</a:t>
             </a:r>
           </a:p>
           <a:p>
@@ -7899,12 +7635,30 @@
               </a:solidFill>
             </a:endParaRPr>
           </a:p>
+          <a:p>
+            <a:endParaRPr lang="en-US" sz="2400" b="1" dirty="0">
+              <a:solidFill>
+                <a:schemeClr val="accent3">
+                  <a:lumMod val="50000"/>
+                </a:schemeClr>
+              </a:solidFill>
+            </a:endParaRPr>
+          </a:p>
+          <a:p>
+            <a:endParaRPr lang="en-US" sz="2400" b="1" dirty="0">
+              <a:solidFill>
+                <a:schemeClr val="accent3">
+                  <a:lumMod val="50000"/>
+                </a:schemeClr>
+              </a:solidFill>
+            </a:endParaRPr>
+          </a:p>
         </p:txBody>
       </p:sp>
     </p:spTree>
     <p:extLst>
       <p:ext uri="{BB962C8B-B14F-4D97-AF65-F5344CB8AC3E}">
-        <p14:creationId xmlns:p14="http://schemas.microsoft.com/office/powerpoint/2010/main" val="4225350937"/>
+        <p14:creationId xmlns:p14="http://schemas.microsoft.com/office/powerpoint/2010/main" val="3037558174"/>
       </p:ext>
     </p:extLst>
   </p:cSld>
@@ -7914,7 +7668,7 @@
 </p:sld>
 </file>
 
-<file path=ppt/slides/slide7.xml><?xml version="1.0" encoding="utf-8"?>
+<file path=ppt/slides/slide5.xml><?xml version="1.0" encoding="utf-8"?>
 <p:sld xmlns:a="http://schemas.openxmlformats.org/drawingml/2006/main" xmlns:r="http://schemas.openxmlformats.org/officeDocument/2006/relationships" xmlns:p="http://schemas.openxmlformats.org/presentationml/2006/main">
   <p:cSld>
     <p:bg>
@@ -8322,8 +8076,8 @@
         </p:nvSpPr>
         <p:spPr>
           <a:xfrm>
-            <a:off x="762000" y="779592"/>
-            <a:ext cx="5334000" cy="6078406"/>
+            <a:off x="762000" y="863600"/>
+            <a:ext cx="5334000" cy="5994398"/>
           </a:xfrm>
         </p:spPr>
         <p:txBody>
@@ -8332,7 +8086,7 @@
           </a:bodyPr>
           <a:lstStyle/>
           <a:p>
-            <a:br>
+            <a:r>
               <a:rPr lang="en-US" sz="2400" dirty="0">
                 <a:solidFill>
                   <a:schemeClr val="accent3">
@@ -8340,16 +8094,7 @@
                   </a:schemeClr>
                 </a:solidFill>
               </a:rPr>
-            </a:br>
-            <a:r>
-              <a:rPr lang="en-US" sz="2400" dirty="0">
-                <a:solidFill>
-                  <a:schemeClr val="accent3">
-                    <a:lumMod val="50000"/>
-                  </a:schemeClr>
-                </a:solidFill>
-              </a:rPr>
-              <a:t>· Optimization Objective</a:t>
+              <a:t>· Objective</a:t>
             </a:r>
             <a:br>
               <a:rPr lang="en-US" sz="2400" dirty="0">
@@ -8377,7 +8122,7 @@
                   </a:schemeClr>
                 </a:solidFill>
               </a:rPr>
-              <a:t>· Node Evaluation Order</a:t>
+              <a:t>· Two-Player, Zero-Sum Games</a:t>
             </a:r>
             <a:br>
               <a:rPr lang="en-US" sz="2400" dirty="0">
@@ -8405,7 +8150,7 @@
                   </a:schemeClr>
                 </a:solidFill>
               </a:rPr>
-              <a:t>· Alpha and Beta Values</a:t>
+              <a:t>· Recursive Approach</a:t>
             </a:r>
             <a:br>
               <a:rPr lang="en-US" sz="2400" dirty="0">
@@ -8433,7 +8178,7 @@
                   </a:schemeClr>
                 </a:solidFill>
               </a:rPr>
-              <a:t>· Pruning Conditions</a:t>
+              <a:t>· Maximizing and Minimizing</a:t>
             </a:r>
             <a:br>
               <a:rPr lang="en-US" sz="2400" dirty="0">
@@ -8446,53 +8191,6 @@
             </a:br>
             <a:br>
               <a:rPr lang="en-US" sz="2400" dirty="0">
-                <a:solidFill>
-                  <a:schemeClr val="accent3">
-                    <a:lumMod val="50000"/>
-                  </a:schemeClr>
-                </a:solidFill>
-              </a:rPr>
-            </a:br>
-            <a:r>
-              <a:rPr lang="en-US" sz="2400" dirty="0">
-                <a:solidFill>
-                  <a:schemeClr val="accent3">
-                    <a:lumMod val="50000"/>
-                  </a:schemeClr>
-                </a:solidFill>
-              </a:rPr>
-              <a:t>· Maximizing Player (Alpha) </a:t>
-            </a:r>
-            <a:br>
-              <a:rPr lang="en-US" sz="2400" dirty="0">
-                <a:solidFill>
-                  <a:schemeClr val="accent3">
-                    <a:lumMod val="50000"/>
-                  </a:schemeClr>
-                </a:solidFill>
-              </a:rPr>
-            </a:br>
-            <a:br>
-              <a:rPr lang="en-US" sz="2400" dirty="0">
-                <a:solidFill>
-                  <a:schemeClr val="accent3">
-                    <a:lumMod val="50000"/>
-                  </a:schemeClr>
-                </a:solidFill>
-              </a:rPr>
-            </a:br>
-            <a:r>
-              <a:rPr lang="en-US" sz="2400" dirty="0">
-                <a:solidFill>
-                  <a:schemeClr val="accent3">
-                    <a:lumMod val="50000"/>
-                  </a:schemeClr>
-                </a:solidFill>
-              </a:rPr>
-              <a:t>· Minimizing Player (Beta)</a:t>
-            </a:r>
-            <a:br>
-              <a:rPr lang="en-US" sz="2400" b="1" dirty="0">
                 <a:solidFill>
                   <a:schemeClr val="accent3">
                     <a:lumMod val="50000"/>
@@ -8563,7 +8261,7 @@
                 </a:solidFill>
                 <a:latin typeface="+mj-lt"/>
               </a:rPr>
-              <a:t>Alpha-Beta pruning</a:t>
+              <a:t>Minimax algorithm</a:t>
             </a:r>
           </a:p>
           <a:p>
@@ -8593,7 +8291,7 @@
         <p:spPr>
           <a:xfrm>
             <a:off x="6096000" y="761999"/>
-            <a:ext cx="5994400" cy="6095999"/>
+            <a:ext cx="5994400" cy="6078406"/>
           </a:xfrm>
           <a:prstGeom prst="rect">
             <a:avLst/>
@@ -8631,7 +8329,7 @@
                   </a:schemeClr>
                 </a:solidFill>
               </a:rPr>
-              <a:t>· Efficiency Gain</a:t>
+              <a:t>· Depth-Limited Search</a:t>
             </a:r>
           </a:p>
           <a:p>
@@ -8652,10 +8350,29 @@
                   </a:schemeClr>
                 </a:solidFill>
               </a:rPr>
-              <a:t>· Depth-First Search:</a:t>
-            </a:r>
-          </a:p>
-          <a:p>
+              <a:t>· Challenges and Considerations</a:t>
+            </a:r>
+          </a:p>
+          <a:p>
+            <a:endParaRPr lang="en-US" sz="2400" dirty="0">
+              <a:solidFill>
+                <a:schemeClr val="accent3">
+                  <a:lumMod val="50000"/>
+                </a:schemeClr>
+              </a:solidFill>
+            </a:endParaRPr>
+          </a:p>
+          <a:p>
+            <a:r>
+              <a:rPr lang="en-US" sz="2400" dirty="0">
+                <a:solidFill>
+                  <a:schemeClr val="accent3">
+                    <a:lumMod val="50000"/>
+                  </a:schemeClr>
+                </a:solidFill>
+              </a:rPr>
+              <a:t>· Evaluation Function</a:t>
+            </a:r>
             <a:br>
               <a:rPr lang="en-US" sz="2400" dirty="0">
                 <a:solidFill>
@@ -8665,18 +8382,6 @@
                 </a:solidFill>
               </a:rPr>
             </a:br>
-            <a:r>
-              <a:rPr lang="en-US" sz="2400" dirty="0">
-                <a:solidFill>
-                  <a:schemeClr val="accent3">
-                    <a:lumMod val="50000"/>
-                  </a:schemeClr>
-                </a:solidFill>
-              </a:rPr>
-              <a:t>· Impact on Complexity</a:t>
-            </a:r>
-          </a:p>
-          <a:p>
             <a:br>
               <a:rPr lang="en-US" sz="2400" dirty="0">
                 <a:solidFill>
@@ -8694,8 +8399,24 @@
                   </a:schemeClr>
                 </a:solidFill>
               </a:rPr>
-              <a:t>· Use Cases</a:t>
-            </a:r>
+              <a:t>· Backpropagation</a:t>
+            </a:r>
+            <a:br>
+              <a:rPr lang="en-US" sz="2400" b="1" dirty="0">
+                <a:solidFill>
+                  <a:schemeClr val="accent3">
+                    <a:lumMod val="50000"/>
+                  </a:schemeClr>
+                </a:solidFill>
+              </a:rPr>
+            </a:br>
+            <a:endParaRPr lang="en-US" sz="2400" dirty="0">
+              <a:solidFill>
+                <a:schemeClr val="accent3">
+                  <a:lumMod val="50000"/>
+                </a:schemeClr>
+              </a:solidFill>
+            </a:endParaRPr>
           </a:p>
           <a:p>
             <a:br>
@@ -8707,39 +8428,6 @@
                 </a:solidFill>
               </a:rPr>
             </a:br>
-            <a:r>
-              <a:rPr lang="en-US" sz="2400" dirty="0">
-                <a:solidFill>
-                  <a:schemeClr val="accent3">
-                    <a:lumMod val="50000"/>
-                  </a:schemeClr>
-                </a:solidFill>
-              </a:rPr>
-              <a:t>· Advanced Variants</a:t>
-            </a:r>
-          </a:p>
-          <a:p>
-            <a:br>
-              <a:rPr lang="en-US" sz="2400" dirty="0">
-                <a:solidFill>
-                  <a:schemeClr val="accent3">
-                    <a:lumMod val="50000"/>
-                  </a:schemeClr>
-                </a:solidFill>
-              </a:rPr>
-            </a:br>
-            <a:r>
-              <a:rPr lang="en-US" sz="2400" dirty="0">
-                <a:solidFill>
-                  <a:schemeClr val="accent3">
-                    <a:lumMod val="50000"/>
-                  </a:schemeClr>
-                </a:solidFill>
-              </a:rPr>
-              <a:t>· Trade-Offs and Limitations:</a:t>
-            </a:r>
-          </a:p>
-          <a:p>
             <a:endParaRPr lang="en-US" sz="2400" b="1" dirty="0">
               <a:solidFill>
                 <a:schemeClr val="accent3">
@@ -8753,7 +8441,7 @@
     </p:spTree>
     <p:extLst>
       <p:ext uri="{BB962C8B-B14F-4D97-AF65-F5344CB8AC3E}">
-        <p14:creationId xmlns:p14="http://schemas.microsoft.com/office/powerpoint/2010/main" val="541399483"/>
+        <p14:creationId xmlns:p14="http://schemas.microsoft.com/office/powerpoint/2010/main" val="4225350937"/>
       </p:ext>
     </p:extLst>
   </p:cSld>
@@ -8763,7 +8451,7 @@
 </p:sld>
 </file>
 
-<file path=ppt/slides/slide8.xml><?xml version="1.0" encoding="utf-8"?>
+<file path=ppt/slides/slide6.xml><?xml version="1.0" encoding="utf-8"?>
 <p:sld xmlns:a="http://schemas.openxmlformats.org/drawingml/2006/main" xmlns:r="http://schemas.openxmlformats.org/officeDocument/2006/relationships" xmlns:p="http://schemas.openxmlformats.org/presentationml/2006/main">
   <p:cSld>
     <p:bg>
@@ -9155,53 +8843,6 @@
       </p:sp>
       <p:sp>
         <p:nvSpPr>
-          <p:cNvPr id="2" name="Title 1">
-            <a:extLst>
-              <a:ext uri="{FF2B5EF4-FFF2-40B4-BE49-F238E27FC236}">
-                <a16:creationId xmlns:a16="http://schemas.microsoft.com/office/drawing/2014/main" id="{DA8EC399-A329-A7C0-6D23-8748C6180DB1}"/>
-              </a:ext>
-            </a:extLst>
-          </p:cNvPr>
-          <p:cNvSpPr>
-            <a:spLocks noGrp="1"/>
-          </p:cNvSpPr>
-          <p:nvPr>
-            <p:ph type="title"/>
-          </p:nvPr>
-        </p:nvSpPr>
-        <p:spPr>
-          <a:xfrm>
-            <a:off x="762000" y="779592"/>
-            <a:ext cx="11328400" cy="6078406"/>
-          </a:xfrm>
-        </p:spPr>
-        <p:txBody>
-          <a:bodyPr vert="horz" lIns="91440" tIns="45720" rIns="91440" bIns="45720" rtlCol="0" anchor="ctr">
-            <a:normAutofit/>
-          </a:bodyPr>
-          <a:lstStyle/>
-          <a:p>
-            <a:br>
-              <a:rPr lang="en-US" sz="2400" b="1" dirty="0">
-                <a:solidFill>
-                  <a:schemeClr val="accent3">
-                    <a:lumMod val="50000"/>
-                  </a:schemeClr>
-                </a:solidFill>
-              </a:rPr>
-            </a:br>
-            <a:endParaRPr lang="en-US" sz="2400" dirty="0">
-              <a:solidFill>
-                <a:schemeClr val="accent3">
-                  <a:lumMod val="50000"/>
-                </a:schemeClr>
-              </a:solidFill>
-            </a:endParaRPr>
-          </a:p>
-        </p:txBody>
-      </p:sp>
-      <p:sp>
-        <p:nvSpPr>
           <p:cNvPr id="4" name="TextBox 3">
             <a:extLst>
               <a:ext uri="{FF2B5EF4-FFF2-40B4-BE49-F238E27FC236}">
@@ -9229,38 +8870,23 @@
           <a:lstStyle/>
           <a:p>
             <a:r>
-              <a:rPr lang="es-ES" sz="3200" dirty="0" err="1">
+              <a:rPr lang="en-US" sz="3200" dirty="0">
                 <a:solidFill>
                   <a:schemeClr val="bg1"/>
                 </a:solidFill>
                 <a:latin typeface="+mj-lt"/>
               </a:rPr>
-              <a:t>The</a:t>
-            </a:r>
-            <a:r>
-              <a:rPr lang="es-ES" sz="3200" dirty="0">
+              <a:t>Methodology: </a:t>
+            </a:r>
+            <a:r>
+              <a:rPr lang="en-GB" sz="3200" dirty="0">
                 <a:solidFill>
                   <a:schemeClr val="bg1"/>
                 </a:solidFill>
                 <a:latin typeface="+mj-lt"/>
               </a:rPr>
-              <a:t> </a:t>
-            </a:r>
-            <a:r>
-              <a:rPr lang="es-ES" sz="3200" dirty="0" err="1">
-                <a:solidFill>
-                  <a:schemeClr val="bg1"/>
-                </a:solidFill>
-                <a:latin typeface="+mj-lt"/>
-              </a:rPr>
-              <a:t>game</a:t>
-            </a:r>
-            <a:endParaRPr lang="en-GB" sz="3200" dirty="0">
-              <a:solidFill>
-                <a:schemeClr val="bg1"/>
-              </a:solidFill>
-              <a:latin typeface="+mj-lt"/>
-            </a:endParaRPr>
+              <a:t>Minimax algorithm</a:t>
+            </a:r>
           </a:p>
           <a:p>
             <a:endParaRPr lang="en-US" sz="3200" dirty="0">
@@ -9274,10 +8900,10 @@
       </p:sp>
       <p:pic>
         <p:nvPicPr>
-          <p:cNvPr id="6" name="Picture 5" descr="A computer screen shot of a computer screen&#10;&#10;Description automatically generated">
-            <a:extLst>
-              <a:ext uri="{FF2B5EF4-FFF2-40B4-BE49-F238E27FC236}">
-                <a16:creationId xmlns:a16="http://schemas.microsoft.com/office/drawing/2014/main" id="{915E361D-9343-8446-9B6B-1DA886A606B8}"/>
+          <p:cNvPr id="6" name="Picture 5" descr="A diagram of numbers and arrows&#10;&#10;Description automatically generated">
+            <a:extLst>
+              <a:ext uri="{FF2B5EF4-FFF2-40B4-BE49-F238E27FC236}">
+                <a16:creationId xmlns:a16="http://schemas.microsoft.com/office/drawing/2014/main" id="{9E36D164-73E9-066A-E3BE-D52F1D8FB422}"/>
               </a:ext>
             </a:extLst>
           </p:cNvPr>
@@ -9300,18 +8926,314 @@
         </p:blipFill>
         <p:spPr>
           <a:xfrm>
-            <a:off x="3238500" y="817722"/>
-            <a:ext cx="5715000" cy="5715000"/>
+            <a:off x="1063591" y="3065838"/>
+            <a:ext cx="6383689" cy="2904578"/>
           </a:xfrm>
           <a:prstGeom prst="rect">
             <a:avLst/>
           </a:prstGeom>
         </p:spPr>
       </p:pic>
+      <p:sp>
+        <p:nvSpPr>
+          <p:cNvPr id="13" name="TextBox 12">
+            <a:extLst>
+              <a:ext uri="{FF2B5EF4-FFF2-40B4-BE49-F238E27FC236}">
+                <a16:creationId xmlns:a16="http://schemas.microsoft.com/office/drawing/2014/main" id="{68856A2E-33A7-16F6-1F69-CFC6EEC3620E}"/>
+              </a:ext>
+            </a:extLst>
+          </p:cNvPr>
+          <p:cNvSpPr txBox="1"/>
+          <p:nvPr/>
+        </p:nvSpPr>
+        <p:spPr>
+          <a:xfrm>
+            <a:off x="1063591" y="1226562"/>
+            <a:ext cx="10903820" cy="1107996"/>
+          </a:xfrm>
+          <a:prstGeom prst="rect">
+            <a:avLst/>
+          </a:prstGeom>
+          <a:noFill/>
+        </p:spPr>
+        <p:txBody>
+          <a:bodyPr wrap="square">
+            <a:spAutoFit/>
+          </a:bodyPr>
+          <a:lstStyle/>
+          <a:p>
+            <a:r>
+              <a:rPr lang="es-ES" sz="2400" b="1" dirty="0" err="1">
+                <a:solidFill>
+                  <a:schemeClr val="accent3">
+                    <a:lumMod val="50000"/>
+                  </a:schemeClr>
+                </a:solidFill>
+                <a:latin typeface="Aharoni" panose="02010803020104030203" pitchFamily="2" charset="-79"/>
+                <a:cs typeface="Aharoni" panose="02010803020104030203" pitchFamily="2" charset="-79"/>
+              </a:rPr>
+              <a:t>Evaluation</a:t>
+            </a:r>
+            <a:r>
+              <a:rPr lang="es-ES" sz="2400" b="1" dirty="0">
+                <a:solidFill>
+                  <a:schemeClr val="accent3">
+                    <a:lumMod val="50000"/>
+                  </a:schemeClr>
+                </a:solidFill>
+                <a:latin typeface="Aharoni" panose="02010803020104030203" pitchFamily="2" charset="-79"/>
+                <a:cs typeface="Aharoni" panose="02010803020104030203" pitchFamily="2" charset="-79"/>
+              </a:rPr>
+              <a:t> </a:t>
+            </a:r>
+            <a:r>
+              <a:rPr lang="es-ES" sz="2400" b="1" dirty="0" err="1">
+                <a:solidFill>
+                  <a:schemeClr val="accent3">
+                    <a:lumMod val="50000"/>
+                  </a:schemeClr>
+                </a:solidFill>
+                <a:latin typeface="Aharoni" panose="02010803020104030203" pitchFamily="2" charset="-79"/>
+                <a:cs typeface="Aharoni" panose="02010803020104030203" pitchFamily="2" charset="-79"/>
+              </a:rPr>
+              <a:t>function</a:t>
+            </a:r>
+            <a:r>
+              <a:rPr lang="es-ES" sz="2400" b="1" dirty="0">
+                <a:solidFill>
+                  <a:schemeClr val="accent3">
+                    <a:lumMod val="50000"/>
+                  </a:schemeClr>
+                </a:solidFill>
+                <a:latin typeface="Aharoni" panose="02010803020104030203" pitchFamily="2" charset="-79"/>
+                <a:cs typeface="Aharoni" panose="02010803020104030203" pitchFamily="2" charset="-79"/>
+              </a:rPr>
+              <a:t>:</a:t>
+            </a:r>
+          </a:p>
+          <a:p>
+            <a:endParaRPr lang="es-ES" sz="2400" b="1" dirty="0">
+              <a:solidFill>
+                <a:schemeClr val="accent3">
+                  <a:lumMod val="50000"/>
+                </a:schemeClr>
+              </a:solidFill>
+              <a:latin typeface="Aharoni" panose="02010803020104030203" pitchFamily="2" charset="-79"/>
+              <a:cs typeface="Aharoni" panose="02010803020104030203" pitchFamily="2" charset="-79"/>
+            </a:endParaRPr>
+          </a:p>
+          <a:p>
+            <a:r>
+              <a:rPr lang="es-ES" b="1" dirty="0">
+                <a:solidFill>
+                  <a:schemeClr val="accent3">
+                    <a:lumMod val="50000"/>
+                  </a:schemeClr>
+                </a:solidFill>
+                <a:latin typeface="Aharoni" panose="02010803020104030203" pitchFamily="2" charset="-79"/>
+                <a:cs typeface="Aharoni" panose="02010803020104030203" pitchFamily="2" charset="-79"/>
+              </a:rPr>
+              <a:t>	</a:t>
+            </a:r>
+            <a:r>
+              <a:rPr lang="es-ES" b="1" dirty="0" err="1">
+                <a:solidFill>
+                  <a:schemeClr val="accent3">
+                    <a:lumMod val="50000"/>
+                  </a:schemeClr>
+                </a:solidFill>
+                <a:latin typeface="Aharoni" panose="02010803020104030203" pitchFamily="2" charset="-79"/>
+                <a:cs typeface="Aharoni" panose="02010803020104030203" pitchFamily="2" charset="-79"/>
+              </a:rPr>
+              <a:t>Max_player</a:t>
+            </a:r>
+            <a:r>
+              <a:rPr lang="es-ES" b="1" dirty="0">
+                <a:solidFill>
+                  <a:schemeClr val="accent3">
+                    <a:lumMod val="50000"/>
+                  </a:schemeClr>
+                </a:solidFill>
+                <a:latin typeface="Aharoni" panose="02010803020104030203" pitchFamily="2" charset="-79"/>
+                <a:cs typeface="Aharoni" panose="02010803020104030203" pitchFamily="2" charset="-79"/>
+              </a:rPr>
+              <a:t> </a:t>
+            </a:r>
+            <a:r>
+              <a:rPr lang="es-ES" b="1" dirty="0" err="1">
+                <a:solidFill>
+                  <a:schemeClr val="accent3">
+                    <a:lumMod val="50000"/>
+                  </a:schemeClr>
+                </a:solidFill>
+                <a:latin typeface="Aharoni" panose="02010803020104030203" pitchFamily="2" charset="-79"/>
+                <a:cs typeface="Aharoni" panose="02010803020104030203" pitchFamily="2" charset="-79"/>
+              </a:rPr>
+              <a:t>pieces</a:t>
+            </a:r>
+            <a:r>
+              <a:rPr lang="es-ES" b="1" dirty="0">
+                <a:solidFill>
+                  <a:schemeClr val="accent3">
+                    <a:lumMod val="50000"/>
+                  </a:schemeClr>
+                </a:solidFill>
+                <a:latin typeface="Aharoni" panose="02010803020104030203" pitchFamily="2" charset="-79"/>
+                <a:cs typeface="Aharoni" panose="02010803020104030203" pitchFamily="2" charset="-79"/>
+              </a:rPr>
+              <a:t> - </a:t>
+            </a:r>
+            <a:r>
+              <a:rPr lang="es-ES" b="1" dirty="0" err="1">
+                <a:solidFill>
+                  <a:schemeClr val="accent3">
+                    <a:lumMod val="50000"/>
+                  </a:schemeClr>
+                </a:solidFill>
+                <a:latin typeface="Aharoni" panose="02010803020104030203" pitchFamily="2" charset="-79"/>
+                <a:cs typeface="Aharoni" panose="02010803020104030203" pitchFamily="2" charset="-79"/>
+              </a:rPr>
+              <a:t>Min_player</a:t>
+            </a:r>
+            <a:r>
+              <a:rPr lang="es-ES" b="1" dirty="0">
+                <a:solidFill>
+                  <a:schemeClr val="accent3">
+                    <a:lumMod val="50000"/>
+                  </a:schemeClr>
+                </a:solidFill>
+                <a:latin typeface="Aharoni" panose="02010803020104030203" pitchFamily="2" charset="-79"/>
+                <a:cs typeface="Aharoni" panose="02010803020104030203" pitchFamily="2" charset="-79"/>
+              </a:rPr>
+              <a:t> </a:t>
+            </a:r>
+            <a:r>
+              <a:rPr lang="es-ES" b="1" dirty="0" err="1">
+                <a:solidFill>
+                  <a:schemeClr val="accent3">
+                    <a:lumMod val="50000"/>
+                  </a:schemeClr>
+                </a:solidFill>
+                <a:latin typeface="Aharoni" panose="02010803020104030203" pitchFamily="2" charset="-79"/>
+                <a:cs typeface="Aharoni" panose="02010803020104030203" pitchFamily="2" charset="-79"/>
+              </a:rPr>
+              <a:t>pieces</a:t>
+            </a:r>
+            <a:r>
+              <a:rPr lang="es-ES" b="1" dirty="0">
+                <a:solidFill>
+                  <a:schemeClr val="accent3">
+                    <a:lumMod val="50000"/>
+                  </a:schemeClr>
+                </a:solidFill>
+                <a:latin typeface="Aharoni" panose="02010803020104030203" pitchFamily="2" charset="-79"/>
+                <a:cs typeface="Aharoni" panose="02010803020104030203" pitchFamily="2" charset="-79"/>
+              </a:rPr>
+              <a:t> + (</a:t>
+            </a:r>
+            <a:r>
+              <a:rPr lang="es-ES" b="1" dirty="0" err="1">
+                <a:solidFill>
+                  <a:schemeClr val="accent3">
+                    <a:lumMod val="50000"/>
+                  </a:schemeClr>
+                </a:solidFill>
+                <a:latin typeface="Aharoni" panose="02010803020104030203" pitchFamily="2" charset="-79"/>
+                <a:cs typeface="Aharoni" panose="02010803020104030203" pitchFamily="2" charset="-79"/>
+              </a:rPr>
+              <a:t>Max_player</a:t>
+            </a:r>
+            <a:r>
+              <a:rPr lang="es-ES" b="1" dirty="0">
+                <a:solidFill>
+                  <a:schemeClr val="accent3">
+                    <a:lumMod val="50000"/>
+                  </a:schemeClr>
+                </a:solidFill>
+                <a:latin typeface="Aharoni" panose="02010803020104030203" pitchFamily="2" charset="-79"/>
+                <a:cs typeface="Aharoni" panose="02010803020104030203" pitchFamily="2" charset="-79"/>
+              </a:rPr>
+              <a:t> </a:t>
+            </a:r>
+            <a:r>
+              <a:rPr lang="es-ES" b="1" dirty="0" err="1">
+                <a:solidFill>
+                  <a:schemeClr val="accent3">
+                    <a:lumMod val="50000"/>
+                  </a:schemeClr>
+                </a:solidFill>
+                <a:latin typeface="Aharoni" panose="02010803020104030203" pitchFamily="2" charset="-79"/>
+                <a:cs typeface="Aharoni" panose="02010803020104030203" pitchFamily="2" charset="-79"/>
+              </a:rPr>
+              <a:t>kings</a:t>
+            </a:r>
+            <a:r>
+              <a:rPr lang="es-ES" b="1" dirty="0">
+                <a:solidFill>
+                  <a:schemeClr val="accent3">
+                    <a:lumMod val="50000"/>
+                  </a:schemeClr>
+                </a:solidFill>
+                <a:latin typeface="Aharoni" panose="02010803020104030203" pitchFamily="2" charset="-79"/>
+                <a:cs typeface="Aharoni" panose="02010803020104030203" pitchFamily="2" charset="-79"/>
+              </a:rPr>
+              <a:t> * 0.5 - </a:t>
+            </a:r>
+            <a:r>
+              <a:rPr lang="es-ES" b="1" dirty="0" err="1">
+                <a:solidFill>
+                  <a:schemeClr val="accent3">
+                    <a:lumMod val="50000"/>
+                  </a:schemeClr>
+                </a:solidFill>
+                <a:latin typeface="Aharoni" panose="02010803020104030203" pitchFamily="2" charset="-79"/>
+                <a:cs typeface="Aharoni" panose="02010803020104030203" pitchFamily="2" charset="-79"/>
+              </a:rPr>
+              <a:t>Min_player</a:t>
+            </a:r>
+            <a:r>
+              <a:rPr lang="es-ES" b="1" dirty="0">
+                <a:solidFill>
+                  <a:schemeClr val="accent3">
+                    <a:lumMod val="50000"/>
+                  </a:schemeClr>
+                </a:solidFill>
+                <a:latin typeface="Aharoni" panose="02010803020104030203" pitchFamily="2" charset="-79"/>
+                <a:cs typeface="Aharoni" panose="02010803020104030203" pitchFamily="2" charset="-79"/>
+              </a:rPr>
+              <a:t> </a:t>
+            </a:r>
+            <a:r>
+              <a:rPr lang="es-ES" b="1" dirty="0" err="1">
+                <a:solidFill>
+                  <a:schemeClr val="accent3">
+                    <a:lumMod val="50000"/>
+                  </a:schemeClr>
+                </a:solidFill>
+                <a:latin typeface="Aharoni" panose="02010803020104030203" pitchFamily="2" charset="-79"/>
+                <a:cs typeface="Aharoni" panose="02010803020104030203" pitchFamily="2" charset="-79"/>
+              </a:rPr>
+              <a:t>kings</a:t>
+            </a:r>
+            <a:r>
+              <a:rPr lang="es-ES" b="1" dirty="0">
+                <a:solidFill>
+                  <a:schemeClr val="accent3">
+                    <a:lumMod val="50000"/>
+                  </a:schemeClr>
+                </a:solidFill>
+                <a:latin typeface="Aharoni" panose="02010803020104030203" pitchFamily="2" charset="-79"/>
+                <a:cs typeface="Aharoni" panose="02010803020104030203" pitchFamily="2" charset="-79"/>
+              </a:rPr>
+              <a:t> * 0.5)</a:t>
+            </a:r>
+          </a:p>
+        </p:txBody>
+      </p:sp>
     </p:spTree>
     <p:extLst>
       <p:ext uri="{BB962C8B-B14F-4D97-AF65-F5344CB8AC3E}">
-        <p14:creationId xmlns:p14="http://schemas.microsoft.com/office/powerpoint/2010/main" val="158989322"/>
+        <p14:creationId xmlns:p14="http://schemas.microsoft.com/office/powerpoint/2010/main" val="1174164881"/>
       </p:ext>
     </p:extLst>
   </p:cSld>
@@ -9321,7 +9243,7 @@
 </p:sld>
 </file>
 
-<file path=ppt/slides/slide9.xml><?xml version="1.0" encoding="utf-8"?>
+<file path=ppt/slides/slide7.xml><?xml version="1.0" encoding="utf-8"?>
 <p:sld xmlns:a="http://schemas.openxmlformats.org/drawingml/2006/main" xmlns:r="http://schemas.openxmlformats.org/officeDocument/2006/relationships" xmlns:p="http://schemas.openxmlformats.org/presentationml/2006/main">
   <p:cSld>
     <p:bg>
@@ -9739,7 +9661,7 @@
           </a:bodyPr>
           <a:lstStyle/>
           <a:p>
-            <a:r>
+            <a:br>
               <a:rPr lang="en-US" sz="2400" dirty="0">
                 <a:solidFill>
                   <a:schemeClr val="accent3">
@@ -9747,7 +9669,16 @@
                   </a:schemeClr>
                 </a:solidFill>
               </a:rPr>
-              <a:t>· Deep Reinforcement Learning (DRL)</a:t>
+            </a:br>
+            <a:r>
+              <a:rPr lang="en-US" sz="2400" dirty="0">
+                <a:solidFill>
+                  <a:schemeClr val="accent3">
+                    <a:lumMod val="50000"/>
+                  </a:schemeClr>
+                </a:solidFill>
+              </a:rPr>
+              <a:t>· Optimization Objective</a:t>
             </a:r>
             <a:br>
               <a:rPr lang="en-US" sz="2400" dirty="0">
@@ -9775,7 +9706,7 @@
                   </a:schemeClr>
                 </a:solidFill>
               </a:rPr>
-              <a:t>· Policy Gradient Methods</a:t>
+              <a:t>· Node Evaluation Order</a:t>
             </a:r>
             <a:br>
               <a:rPr lang="en-US" sz="2400" dirty="0">
@@ -9803,7 +9734,7 @@
                   </a:schemeClr>
                 </a:solidFill>
               </a:rPr>
-              <a:t>· Monte Carlo Tree Search (MCTS)</a:t>
+              <a:t>· Alpha and Beta Values</a:t>
             </a:r>
             <a:br>
               <a:rPr lang="en-US" sz="2400" dirty="0">
@@ -9831,7 +9762,7 @@
                   </a:schemeClr>
                 </a:solidFill>
               </a:rPr>
-              <a:t>· Transfer Learning</a:t>
+              <a:t>· Pruning Conditions</a:t>
             </a:r>
             <a:br>
               <a:rPr lang="en-US" sz="2400" dirty="0">
@@ -9859,7 +9790,7 @@
                   </a:schemeClr>
                 </a:solidFill>
               </a:rPr>
-              <a:t>· Ensemble Learning</a:t>
+              <a:t>· Maximizing Player (Alpha) </a:t>
             </a:r>
             <a:br>
               <a:rPr lang="en-US" sz="2400" dirty="0">
@@ -9871,7 +9802,7 @@
               </a:rPr>
             </a:br>
             <a:br>
-              <a:rPr lang="en-US" sz="2400" dirty="0">
+              <a:rPr lang="en-US" sz="2400" b="1" dirty="0">
                 <a:solidFill>
                   <a:schemeClr val="accent3">
                     <a:lumMod val="50000"/>
@@ -9879,72 +9810,6 @@
                 </a:solidFill>
               </a:rPr>
             </a:br>
-            <a:r>
-              <a:rPr lang="en-US" sz="2400" dirty="0">
-                <a:solidFill>
-                  <a:schemeClr val="accent3">
-                    <a:lumMod val="50000"/>
-                  </a:schemeClr>
-                </a:solidFill>
-              </a:rPr>
-              <a:t>· Dynamic Learning Rates</a:t>
-            </a:r>
-            <a:br>
-              <a:rPr lang="en-US" sz="2400" dirty="0">
-                <a:solidFill>
-                  <a:schemeClr val="accent3">
-                    <a:lumMod val="50000"/>
-                  </a:schemeClr>
-                </a:solidFill>
-              </a:rPr>
-            </a:br>
-            <a:br>
-              <a:rPr lang="en-US" sz="2400" dirty="0">
-                <a:solidFill>
-                  <a:schemeClr val="accent3">
-                    <a:lumMod val="50000"/>
-                  </a:schemeClr>
-                </a:solidFill>
-              </a:rPr>
-            </a:br>
-            <a:r>
-              <a:rPr lang="en-US" sz="2400" dirty="0">
-                <a:solidFill>
-                  <a:schemeClr val="accent3">
-                    <a:lumMod val="50000"/>
-                  </a:schemeClr>
-                </a:solidFill>
-              </a:rPr>
-              <a:t>· Curriculum Learning</a:t>
-            </a:r>
-            <a:br>
-              <a:rPr lang="en-US" sz="2400" dirty="0">
-                <a:solidFill>
-                  <a:schemeClr val="accent3">
-                    <a:lumMod val="50000"/>
-                  </a:schemeClr>
-                </a:solidFill>
-              </a:rPr>
-            </a:br>
-            <a:br>
-              <a:rPr lang="en-US" sz="2400" dirty="0">
-                <a:solidFill>
-                  <a:schemeClr val="accent3">
-                    <a:lumMod val="50000"/>
-                  </a:schemeClr>
-                </a:solidFill>
-              </a:rPr>
-            </a:br>
-            <a:r>
-              <a:rPr lang="en-US" sz="2400" dirty="0">
-                <a:solidFill>
-                  <a:schemeClr val="accent3">
-                    <a:lumMod val="50000"/>
-                  </a:schemeClr>
-                </a:solidFill>
-              </a:rPr>
-              <a:t>· Hierarchical Reinforcement Learning</a:t>
-            </a:r>
             <a:br>
               <a:rPr lang="en-US" sz="2400" b="1" dirty="0">
                 <a:solidFill>
@@ -9993,38 +9858,23 @@
           <a:lstStyle/>
           <a:p>
             <a:r>
-              <a:rPr lang="es-ES" sz="3200" dirty="0" err="1">
+              <a:rPr lang="en-US" sz="3200" dirty="0">
                 <a:solidFill>
                   <a:schemeClr val="bg1"/>
                 </a:solidFill>
                 <a:latin typeface="+mj-lt"/>
               </a:rPr>
-              <a:t>Possible</a:t>
-            </a:r>
-            <a:r>
-              <a:rPr lang="es-ES" sz="3200" dirty="0">
+              <a:t>Methodology: </a:t>
+            </a:r>
+            <a:r>
+              <a:rPr lang="en-GB" sz="3200" dirty="0">
                 <a:solidFill>
                   <a:schemeClr val="bg1"/>
                 </a:solidFill>
                 <a:latin typeface="+mj-lt"/>
               </a:rPr>
-              <a:t> </a:t>
-            </a:r>
-            <a:r>
-              <a:rPr lang="es-ES" sz="3200" dirty="0" err="1">
-                <a:solidFill>
-                  <a:schemeClr val="bg1"/>
-                </a:solidFill>
-                <a:latin typeface="+mj-lt"/>
-              </a:rPr>
-              <a:t>Extensions</a:t>
-            </a:r>
-            <a:endParaRPr lang="en-GB" sz="3200" dirty="0">
-              <a:solidFill>
-                <a:schemeClr val="bg1"/>
-              </a:solidFill>
-              <a:latin typeface="+mj-lt"/>
-            </a:endParaRPr>
+              <a:t>Alpha-Beta pruning</a:t>
+            </a:r>
           </a:p>
           <a:p>
             <a:endParaRPr lang="en-US" sz="3200" dirty="0">
@@ -10091,7 +9941,28 @@
                   </a:schemeClr>
                 </a:solidFill>
               </a:rPr>
-              <a:t>· Reward Shaping</a:t>
+              <a:t>· Minimizing Player (Beta) </a:t>
+            </a:r>
+          </a:p>
+          <a:p>
+            <a:endParaRPr lang="en-US" sz="2400" dirty="0">
+              <a:solidFill>
+                <a:schemeClr val="accent3">
+                  <a:lumMod val="50000"/>
+                </a:schemeClr>
+              </a:solidFill>
+            </a:endParaRPr>
+          </a:p>
+          <a:p>
+            <a:r>
+              <a:rPr lang="en-US" sz="2400" dirty="0">
+                <a:solidFill>
+                  <a:schemeClr val="accent3">
+                    <a:lumMod val="50000"/>
+                  </a:schemeClr>
+                </a:solidFill>
+              </a:rPr>
+              <a:t>· Efficiency Gain</a:t>
             </a:r>
           </a:p>
           <a:p>
@@ -10112,7 +9983,7 @@
                   </a:schemeClr>
                 </a:solidFill>
               </a:rPr>
-              <a:t>· Exploration Strategies</a:t>
+              <a:t>· Depth-First Search:</a:t>
             </a:r>
           </a:p>
           <a:p>
@@ -10133,91 +10004,7 @@
                   </a:schemeClr>
                 </a:solidFill>
               </a:rPr>
-              <a:t>· Adversarial Training</a:t>
-            </a:r>
-          </a:p>
-          <a:p>
-            <a:br>
-              <a:rPr lang="en-US" sz="2400" dirty="0">
-                <a:solidFill>
-                  <a:schemeClr val="accent3">
-                    <a:lumMod val="50000"/>
-                  </a:schemeClr>
-                </a:solidFill>
-              </a:rPr>
-            </a:br>
-            <a:r>
-              <a:rPr lang="en-US" sz="2400" dirty="0">
-                <a:solidFill>
-                  <a:schemeClr val="accent3">
-                    <a:lumMod val="50000"/>
-                  </a:schemeClr>
-                </a:solidFill>
-              </a:rPr>
-              <a:t>· Human-AI Collaboration</a:t>
-            </a:r>
-          </a:p>
-          <a:p>
-            <a:br>
-              <a:rPr lang="en-US" sz="2400" dirty="0">
-                <a:solidFill>
-                  <a:schemeClr val="accent3">
-                    <a:lumMod val="50000"/>
-                  </a:schemeClr>
-                </a:solidFill>
-              </a:rPr>
-            </a:br>
-            <a:r>
-              <a:rPr lang="en-US" sz="2400" dirty="0">
-                <a:solidFill>
-                  <a:schemeClr val="accent3">
-                    <a:lumMod val="50000"/>
-                  </a:schemeClr>
-                </a:solidFill>
-              </a:rPr>
-              <a:t>· Visual Recognition</a:t>
-            </a:r>
-          </a:p>
-          <a:p>
-            <a:br>
-              <a:rPr lang="en-US" sz="2400" dirty="0">
-                <a:solidFill>
-                  <a:schemeClr val="accent3">
-                    <a:lumMod val="50000"/>
-                  </a:schemeClr>
-                </a:solidFill>
-              </a:rPr>
-            </a:br>
-            <a:r>
-              <a:rPr lang="en-US" sz="2400" dirty="0">
-                <a:solidFill>
-                  <a:schemeClr val="accent3">
-                    <a:lumMod val="50000"/>
-                  </a:schemeClr>
-                </a:solidFill>
-              </a:rPr>
-              <a:t>· Multi-Agent Learning</a:t>
-            </a:r>
-          </a:p>
-          <a:p>
-            <a:br>
-              <a:rPr lang="en-US" sz="2400" dirty="0">
-                <a:solidFill>
-                  <a:schemeClr val="accent3">
-                    <a:lumMod val="50000"/>
-                  </a:schemeClr>
-                </a:solidFill>
-              </a:rPr>
-            </a:br>
-            <a:r>
-              <a:rPr lang="en-US" sz="2400" dirty="0">
-                <a:solidFill>
-                  <a:schemeClr val="accent3">
-                    <a:lumMod val="50000"/>
-                  </a:schemeClr>
-                </a:solidFill>
-              </a:rPr>
-              <a:t>· Real-Time Learning</a:t>
+              <a:t>· Impact on Complexity</a:t>
             </a:r>
           </a:p>
           <a:p>
@@ -10229,12 +10016,1332 @@
               </a:solidFill>
             </a:endParaRPr>
           </a:p>
+          <a:p>
+            <a:endParaRPr lang="en-US" sz="2400" b="1" dirty="0">
+              <a:solidFill>
+                <a:schemeClr val="accent3">
+                  <a:lumMod val="50000"/>
+                </a:schemeClr>
+              </a:solidFill>
+            </a:endParaRPr>
+          </a:p>
+          <a:p>
+            <a:endParaRPr lang="en-US" sz="2400" b="1" dirty="0">
+              <a:solidFill>
+                <a:schemeClr val="accent3">
+                  <a:lumMod val="50000"/>
+                </a:schemeClr>
+              </a:solidFill>
+            </a:endParaRPr>
+          </a:p>
+          <a:p>
+            <a:endParaRPr lang="en-US" sz="2400" b="1" dirty="0">
+              <a:solidFill>
+                <a:schemeClr val="accent3">
+                  <a:lumMod val="50000"/>
+                </a:schemeClr>
+              </a:solidFill>
+            </a:endParaRPr>
+          </a:p>
         </p:txBody>
       </p:sp>
     </p:spTree>
     <p:extLst>
       <p:ext uri="{BB962C8B-B14F-4D97-AF65-F5344CB8AC3E}">
-        <p14:creationId xmlns:p14="http://schemas.microsoft.com/office/powerpoint/2010/main" val="3754610649"/>
+        <p14:creationId xmlns:p14="http://schemas.microsoft.com/office/powerpoint/2010/main" val="541399483"/>
+      </p:ext>
+    </p:extLst>
+  </p:cSld>
+  <p:clrMapOvr>
+    <a:masterClrMapping/>
+  </p:clrMapOvr>
+</p:sld>
+</file>
+
+<file path=ppt/slides/slide8.xml><?xml version="1.0" encoding="utf-8"?>
+<p:sld xmlns:a="http://schemas.openxmlformats.org/drawingml/2006/main" xmlns:r="http://schemas.openxmlformats.org/officeDocument/2006/relationships" xmlns:p="http://schemas.openxmlformats.org/presentationml/2006/main">
+  <p:cSld>
+    <p:bg>
+      <p:bgPr>
+        <a:solidFill>
+          <a:schemeClr val="bg1"/>
+        </a:solidFill>
+        <a:effectLst/>
+      </p:bgPr>
+    </p:bg>
+    <p:spTree>
+      <p:nvGrpSpPr>
+        <p:cNvPr id="1" name=""/>
+        <p:cNvGrpSpPr/>
+        <p:nvPr/>
+      </p:nvGrpSpPr>
+      <p:grpSpPr>
+        <a:xfrm>
+          <a:off x="0" y="0"/>
+          <a:ext cx="0" cy="0"/>
+          <a:chOff x="0" y="0"/>
+          <a:chExt cx="0" cy="0"/>
+        </a:xfrm>
+      </p:grpSpPr>
+      <p:sp>
+        <p:nvSpPr>
+          <p:cNvPr id="8" name="Freeform: Shape 7">
+            <a:extLst>
+              <a:ext uri="{FF2B5EF4-FFF2-40B4-BE49-F238E27FC236}">
+                <a16:creationId xmlns:a16="http://schemas.microsoft.com/office/drawing/2014/main" id="{49306479-8C4D-4E4A-A330-DFC80A8A01BE}"/>
+              </a:ext>
+              <a:ext uri="{C183D7F6-B498-43B3-948B-1728B52AA6E4}">
+                <adec:decorative xmlns:adec="http://schemas.microsoft.com/office/drawing/2017/decorative" val="1"/>
+              </a:ext>
+            </a:extLst>
+          </p:cNvPr>
+          <p:cNvSpPr>
+            <a:spLocks noGrp="1" noRot="1" noChangeAspect="1" noMove="1" noResize="1" noEditPoints="1" noAdjustHandles="1" noChangeArrowheads="1" noChangeShapeType="1" noTextEdit="1"/>
+          </p:cNvSpPr>
+          <p:nvPr>
+            <p:extLst>
+              <p:ext uri="{386F3935-93C4-4BCD-93E2-E3B085C9AB24}">
+                <p16:designElem xmlns:p16="http://schemas.microsoft.com/office/powerpoint/2015/main" val="1"/>
+              </p:ext>
+            </p:extLst>
+          </p:nvPr>
+        </p:nvSpPr>
+        <p:spPr>
+          <a:xfrm>
+            <a:off x="0" y="0"/>
+            <a:ext cx="12192000" cy="6105524"/>
+          </a:xfrm>
+          <a:custGeom>
+            <a:avLst/>
+            <a:gdLst>
+              <a:gd name="connsiteX0" fmla="*/ 0 w 12192000"/>
+              <a:gd name="connsiteY0" fmla="*/ 0 h 6105524"/>
+              <a:gd name="connsiteX1" fmla="*/ 12192000 w 12192000"/>
+              <a:gd name="connsiteY1" fmla="*/ 0 h 6105524"/>
+              <a:gd name="connsiteX2" fmla="*/ 12192000 w 12192000"/>
+              <a:gd name="connsiteY2" fmla="*/ 6105524 h 6105524"/>
+              <a:gd name="connsiteX3" fmla="*/ 11435080 w 12192000"/>
+              <a:gd name="connsiteY3" fmla="*/ 6105524 h 6105524"/>
+              <a:gd name="connsiteX4" fmla="*/ 11435080 w 12192000"/>
+              <a:gd name="connsiteY4" fmla="*/ 771523 h 6105524"/>
+              <a:gd name="connsiteX5" fmla="*/ 767080 w 12192000"/>
+              <a:gd name="connsiteY5" fmla="*/ 771523 h 6105524"/>
+              <a:gd name="connsiteX6" fmla="*/ 767080 w 12192000"/>
+              <a:gd name="connsiteY6" fmla="*/ 6105524 h 6105524"/>
+              <a:gd name="connsiteX7" fmla="*/ 0 w 12192000"/>
+              <a:gd name="connsiteY7" fmla="*/ 6105524 h 6105524"/>
+            </a:gdLst>
+            <a:ahLst/>
+            <a:cxnLst>
+              <a:cxn ang="0">
+                <a:pos x="connsiteX0" y="connsiteY0"/>
+              </a:cxn>
+              <a:cxn ang="0">
+                <a:pos x="connsiteX1" y="connsiteY1"/>
+              </a:cxn>
+              <a:cxn ang="0">
+                <a:pos x="connsiteX2" y="connsiteY2"/>
+              </a:cxn>
+              <a:cxn ang="0">
+                <a:pos x="connsiteX3" y="connsiteY3"/>
+              </a:cxn>
+              <a:cxn ang="0">
+                <a:pos x="connsiteX4" y="connsiteY4"/>
+              </a:cxn>
+              <a:cxn ang="0">
+                <a:pos x="connsiteX5" y="connsiteY5"/>
+              </a:cxn>
+              <a:cxn ang="0">
+                <a:pos x="connsiteX6" y="connsiteY6"/>
+              </a:cxn>
+              <a:cxn ang="0">
+                <a:pos x="connsiteX7" y="connsiteY7"/>
+              </a:cxn>
+            </a:cxnLst>
+            <a:rect l="l" t="t" r="r" b="b"/>
+            <a:pathLst>
+              <a:path w="12192000" h="6105524">
+                <a:moveTo>
+                  <a:pt x="0" y="0"/>
+                </a:moveTo>
+                <a:lnTo>
+                  <a:pt x="12192000" y="0"/>
+                </a:lnTo>
+                <a:lnTo>
+                  <a:pt x="12192000" y="6105524"/>
+                </a:lnTo>
+                <a:lnTo>
+                  <a:pt x="11435080" y="6105524"/>
+                </a:lnTo>
+                <a:lnTo>
+                  <a:pt x="11435080" y="771523"/>
+                </a:lnTo>
+                <a:lnTo>
+                  <a:pt x="767080" y="771523"/>
+                </a:lnTo>
+                <a:lnTo>
+                  <a:pt x="767080" y="6105524"/>
+                </a:lnTo>
+                <a:lnTo>
+                  <a:pt x="0" y="6105524"/>
+                </a:lnTo>
+                <a:close/>
+              </a:path>
+            </a:pathLst>
+          </a:custGeom>
+          <a:gradFill flip="none" rotWithShape="1">
+            <a:gsLst>
+              <a:gs pos="10000">
+                <a:schemeClr val="accent5"/>
+              </a:gs>
+              <a:gs pos="90000">
+                <a:schemeClr val="accent1"/>
+              </a:gs>
+              <a:gs pos="70000">
+                <a:schemeClr val="accent2"/>
+              </a:gs>
+              <a:gs pos="30000">
+                <a:schemeClr val="accent4"/>
+              </a:gs>
+              <a:gs pos="50000">
+                <a:schemeClr val="accent3">
+                  <a:lumMod val="60000"/>
+                  <a:lumOff val="40000"/>
+                </a:schemeClr>
+              </a:gs>
+            </a:gsLst>
+            <a:lin ang="7200000" scaled="0"/>
+            <a:tileRect/>
+          </a:gradFill>
+          <a:ln>
+            <a:noFill/>
+          </a:ln>
+        </p:spPr>
+        <p:style>
+          <a:lnRef idx="2">
+            <a:schemeClr val="accent1">
+              <a:shade val="50000"/>
+            </a:schemeClr>
+          </a:lnRef>
+          <a:fillRef idx="1">
+            <a:schemeClr val="accent1"/>
+          </a:fillRef>
+          <a:effectRef idx="0">
+            <a:schemeClr val="accent1"/>
+          </a:effectRef>
+          <a:fontRef idx="minor">
+            <a:schemeClr val="lt1"/>
+          </a:fontRef>
+        </p:style>
+        <p:txBody>
+          <a:bodyPr wrap="square" rtlCol="0" anchor="ctr">
+            <a:noAutofit/>
+          </a:bodyPr>
+          <a:lstStyle/>
+          <a:p>
+            <a:pPr algn="ctr"/>
+            <a:endParaRPr lang="en-US"/>
+          </a:p>
+        </p:txBody>
+      </p:sp>
+      <p:sp useBgFill="1">
+        <p:nvSpPr>
+          <p:cNvPr id="10" name="Rectangle 9">
+            <a:extLst>
+              <a:ext uri="{FF2B5EF4-FFF2-40B4-BE49-F238E27FC236}">
+                <a16:creationId xmlns:a16="http://schemas.microsoft.com/office/drawing/2014/main" id="{9B45BA4C-9B54-4496-821F-9E0985CA984D}"/>
+              </a:ext>
+              <a:ext uri="{C183D7F6-B498-43B3-948B-1728B52AA6E4}">
+                <adec:decorative xmlns:adec="http://schemas.microsoft.com/office/drawing/2017/decorative" val="1"/>
+              </a:ext>
+            </a:extLst>
+          </p:cNvPr>
+          <p:cNvSpPr>
+            <a:spLocks noGrp="1" noRot="1" noChangeAspect="1" noMove="1" noResize="1" noEditPoints="1" noAdjustHandles="1" noChangeArrowheads="1" noChangeShapeType="1" noTextEdit="1"/>
+          </p:cNvSpPr>
+          <p:nvPr>
+            <p:extLst>
+              <p:ext uri="{386F3935-93C4-4BCD-93E2-E3B085C9AB24}">
+                <p16:designElem xmlns:p16="http://schemas.microsoft.com/office/powerpoint/2015/main" val="1"/>
+              </p:ext>
+            </p:extLst>
+          </p:nvPr>
+        </p:nvSpPr>
+        <p:spPr>
+          <a:xfrm>
+            <a:off x="0" y="0"/>
+            <a:ext cx="12192000" cy="6858000"/>
+          </a:xfrm>
+          <a:prstGeom prst="rect">
+            <a:avLst/>
+          </a:prstGeom>
+          <a:ln>
+            <a:noFill/>
+          </a:ln>
+        </p:spPr>
+        <p:style>
+          <a:lnRef idx="2">
+            <a:schemeClr val="accent1">
+              <a:shade val="50000"/>
+            </a:schemeClr>
+          </a:lnRef>
+          <a:fillRef idx="1">
+            <a:schemeClr val="accent1"/>
+          </a:fillRef>
+          <a:effectRef idx="0">
+            <a:schemeClr val="accent1"/>
+          </a:effectRef>
+          <a:fontRef idx="minor">
+            <a:schemeClr val="lt1"/>
+          </a:fontRef>
+        </p:style>
+        <p:txBody>
+          <a:bodyPr rtlCol="0" anchor="ctr"/>
+          <a:lstStyle/>
+          <a:p>
+            <a:pPr algn="ctr"/>
+            <a:endParaRPr lang="en-US"/>
+          </a:p>
+        </p:txBody>
+      </p:sp>
+      <p:sp>
+        <p:nvSpPr>
+          <p:cNvPr id="12" name="Rectangle 11">
+            <a:extLst>
+              <a:ext uri="{FF2B5EF4-FFF2-40B4-BE49-F238E27FC236}">
+                <a16:creationId xmlns:a16="http://schemas.microsoft.com/office/drawing/2014/main" id="{85E1BB9D-FAFF-4C3E-9E44-13F8FBABCD62}"/>
+              </a:ext>
+              <a:ext uri="{C183D7F6-B498-43B3-948B-1728B52AA6E4}">
+                <adec:decorative xmlns:adec="http://schemas.microsoft.com/office/drawing/2017/decorative" val="1"/>
+              </a:ext>
+            </a:extLst>
+          </p:cNvPr>
+          <p:cNvSpPr>
+            <a:spLocks noGrp="1" noRot="1" noChangeAspect="1" noMove="1" noResize="1" noEditPoints="1" noAdjustHandles="1" noChangeArrowheads="1" noChangeShapeType="1" noTextEdit="1"/>
+          </p:cNvSpPr>
+          <p:nvPr>
+            <p:extLst>
+              <p:ext uri="{386F3935-93C4-4BCD-93E2-E3B085C9AB24}">
+                <p16:designElem xmlns:p16="http://schemas.microsoft.com/office/powerpoint/2015/main" val="1"/>
+              </p:ext>
+            </p:extLst>
+          </p:nvPr>
+        </p:nvSpPr>
+        <p:spPr>
+          <a:xfrm>
+            <a:off x="0" y="0"/>
+            <a:ext cx="12192000" cy="6858000"/>
+          </a:xfrm>
+          <a:prstGeom prst="rect">
+            <a:avLst/>
+          </a:prstGeom>
+          <a:gradFill flip="none" rotWithShape="1">
+            <a:gsLst>
+              <a:gs pos="10000">
+                <a:schemeClr val="accent5"/>
+              </a:gs>
+              <a:gs pos="90000">
+                <a:schemeClr val="accent1"/>
+              </a:gs>
+              <a:gs pos="70000">
+                <a:schemeClr val="accent2"/>
+              </a:gs>
+              <a:gs pos="30000">
+                <a:schemeClr val="accent4"/>
+              </a:gs>
+              <a:gs pos="50000">
+                <a:schemeClr val="accent3">
+                  <a:lumMod val="60000"/>
+                  <a:lumOff val="40000"/>
+                </a:schemeClr>
+              </a:gs>
+            </a:gsLst>
+            <a:lin ang="7200000" scaled="0"/>
+            <a:tileRect/>
+          </a:gradFill>
+          <a:ln>
+            <a:noFill/>
+          </a:ln>
+        </p:spPr>
+        <p:style>
+          <a:lnRef idx="2">
+            <a:schemeClr val="accent1">
+              <a:shade val="50000"/>
+            </a:schemeClr>
+          </a:lnRef>
+          <a:fillRef idx="1">
+            <a:schemeClr val="accent1"/>
+          </a:fillRef>
+          <a:effectRef idx="0">
+            <a:schemeClr val="accent1"/>
+          </a:effectRef>
+          <a:fontRef idx="minor">
+            <a:schemeClr val="lt1"/>
+          </a:fontRef>
+        </p:style>
+        <p:txBody>
+          <a:bodyPr rtlCol="0" anchor="ctr"/>
+          <a:lstStyle/>
+          <a:p>
+            <a:pPr algn="ctr"/>
+            <a:endParaRPr lang="en-US"/>
+          </a:p>
+        </p:txBody>
+      </p:sp>
+      <p:sp useBgFill="1">
+        <p:nvSpPr>
+          <p:cNvPr id="14" name="Rectangle 13">
+            <a:extLst>
+              <a:ext uri="{FF2B5EF4-FFF2-40B4-BE49-F238E27FC236}">
+                <a16:creationId xmlns:a16="http://schemas.microsoft.com/office/drawing/2014/main" id="{47C897C6-901F-410E-B2AC-162ED94B010E}"/>
+              </a:ext>
+              <a:ext uri="{C183D7F6-B498-43B3-948B-1728B52AA6E4}">
+                <adec:decorative xmlns:adec="http://schemas.microsoft.com/office/drawing/2017/decorative" val="1"/>
+              </a:ext>
+            </a:extLst>
+          </p:cNvPr>
+          <p:cNvSpPr>
+            <a:spLocks noGrp="1" noRot="1" noChangeAspect="1" noMove="1" noResize="1" noEditPoints="1" noAdjustHandles="1" noChangeArrowheads="1" noChangeShapeType="1" noTextEdit="1"/>
+          </p:cNvSpPr>
+          <p:nvPr>
+            <p:extLst>
+              <p:ext uri="{386F3935-93C4-4BCD-93E2-E3B085C9AB24}">
+                <p16:designElem xmlns:p16="http://schemas.microsoft.com/office/powerpoint/2015/main" val="1"/>
+              </p:ext>
+            </p:extLst>
+          </p:nvPr>
+        </p:nvSpPr>
+        <p:spPr>
+          <a:xfrm>
+            <a:off x="0" y="762000"/>
+            <a:ext cx="12192000" cy="6096000"/>
+          </a:xfrm>
+          <a:prstGeom prst="rect">
+            <a:avLst/>
+          </a:prstGeom>
+          <a:ln w="76200">
+            <a:noFill/>
+          </a:ln>
+        </p:spPr>
+        <p:style>
+          <a:lnRef idx="2">
+            <a:schemeClr val="accent1">
+              <a:shade val="50000"/>
+            </a:schemeClr>
+          </a:lnRef>
+          <a:fillRef idx="1">
+            <a:schemeClr val="accent1"/>
+          </a:fillRef>
+          <a:effectRef idx="0">
+            <a:schemeClr val="accent1"/>
+          </a:effectRef>
+          <a:fontRef idx="minor">
+            <a:schemeClr val="lt1"/>
+          </a:fontRef>
+        </p:style>
+        <p:txBody>
+          <a:bodyPr rtlCol="0" anchor="ctr"/>
+          <a:lstStyle/>
+          <a:p>
+            <a:pPr algn="ctr"/>
+            <a:endParaRPr lang="en-US"/>
+          </a:p>
+        </p:txBody>
+      </p:sp>
+      <p:sp>
+        <p:nvSpPr>
+          <p:cNvPr id="4" name="TextBox 3">
+            <a:extLst>
+              <a:ext uri="{FF2B5EF4-FFF2-40B4-BE49-F238E27FC236}">
+                <a16:creationId xmlns:a16="http://schemas.microsoft.com/office/drawing/2014/main" id="{6E876584-5AE5-ECBD-5D64-C2FD55E2E46A}"/>
+              </a:ext>
+            </a:extLst>
+          </p:cNvPr>
+          <p:cNvSpPr txBox="1"/>
+          <p:nvPr/>
+        </p:nvSpPr>
+        <p:spPr>
+          <a:xfrm>
+            <a:off x="762000" y="167701"/>
+            <a:ext cx="7315200" cy="1077218"/>
+          </a:xfrm>
+          <a:prstGeom prst="rect">
+            <a:avLst/>
+          </a:prstGeom>
+          <a:noFill/>
+        </p:spPr>
+        <p:txBody>
+          <a:bodyPr wrap="square" rtlCol="0">
+            <a:spAutoFit/>
+          </a:bodyPr>
+          <a:lstStyle/>
+          <a:p>
+            <a:r>
+              <a:rPr lang="en-US" sz="3200" dirty="0">
+                <a:solidFill>
+                  <a:schemeClr val="bg1"/>
+                </a:solidFill>
+                <a:latin typeface="+mj-lt"/>
+              </a:rPr>
+              <a:t>Methodology: </a:t>
+            </a:r>
+            <a:r>
+              <a:rPr lang="en-GB" sz="3200" dirty="0">
+                <a:solidFill>
+                  <a:schemeClr val="bg1"/>
+                </a:solidFill>
+                <a:latin typeface="+mj-lt"/>
+              </a:rPr>
+              <a:t>Alpha-Beta pruning</a:t>
+            </a:r>
+          </a:p>
+          <a:p>
+            <a:endParaRPr lang="en-US" sz="3200" dirty="0">
+              <a:solidFill>
+                <a:schemeClr val="bg1"/>
+              </a:solidFill>
+              <a:latin typeface="+mj-lt"/>
+            </a:endParaRPr>
+          </a:p>
+        </p:txBody>
+      </p:sp>
+      <p:pic>
+        <p:nvPicPr>
+          <p:cNvPr id="3" name="Picture 2" descr="A diagram of a tree&#10;&#10;Description automatically generated">
+            <a:extLst>
+              <a:ext uri="{FF2B5EF4-FFF2-40B4-BE49-F238E27FC236}">
+                <a16:creationId xmlns:a16="http://schemas.microsoft.com/office/drawing/2014/main" id="{9ED06F9D-11B3-3DC6-A3D1-7A60DCA13C65}"/>
+              </a:ext>
+            </a:extLst>
+          </p:cNvPr>
+          <p:cNvPicPr>
+            <a:picLocks noChangeAspect="1"/>
+          </p:cNvPicPr>
+          <p:nvPr/>
+        </p:nvPicPr>
+        <p:blipFill>
+          <a:blip r:embed="rId2">
+            <a:extLst>
+              <a:ext uri="{28A0092B-C50C-407E-A947-70E740481C1C}">
+                <a14:useLocalDpi xmlns:a14="http://schemas.microsoft.com/office/drawing/2010/main" val="0"/>
+              </a:ext>
+            </a:extLst>
+          </a:blip>
+          <a:stretch>
+            <a:fillRect/>
+          </a:stretch>
+        </p:blipFill>
+        <p:spPr>
+          <a:xfrm>
+            <a:off x="1127760" y="1244919"/>
+            <a:ext cx="9670644" cy="4907851"/>
+          </a:xfrm>
+          <a:prstGeom prst="rect">
+            <a:avLst/>
+          </a:prstGeom>
+        </p:spPr>
+      </p:pic>
+    </p:spTree>
+    <p:extLst>
+      <p:ext uri="{BB962C8B-B14F-4D97-AF65-F5344CB8AC3E}">
+        <p14:creationId xmlns:p14="http://schemas.microsoft.com/office/powerpoint/2010/main" val="1444110167"/>
+      </p:ext>
+    </p:extLst>
+  </p:cSld>
+  <p:clrMapOvr>
+    <a:masterClrMapping/>
+  </p:clrMapOvr>
+</p:sld>
+</file>
+
+<file path=ppt/slides/slide9.xml><?xml version="1.0" encoding="utf-8"?>
+<p:sld xmlns:a="http://schemas.openxmlformats.org/drawingml/2006/main" xmlns:r="http://schemas.openxmlformats.org/officeDocument/2006/relationships" xmlns:p="http://schemas.openxmlformats.org/presentationml/2006/main">
+  <p:cSld>
+    <p:bg>
+      <p:bgPr>
+        <a:solidFill>
+          <a:schemeClr val="bg1"/>
+        </a:solidFill>
+        <a:effectLst/>
+      </p:bgPr>
+    </p:bg>
+    <p:spTree>
+      <p:nvGrpSpPr>
+        <p:cNvPr id="1" name=""/>
+        <p:cNvGrpSpPr/>
+        <p:nvPr/>
+      </p:nvGrpSpPr>
+      <p:grpSpPr>
+        <a:xfrm>
+          <a:off x="0" y="0"/>
+          <a:ext cx="0" cy="0"/>
+          <a:chOff x="0" y="0"/>
+          <a:chExt cx="0" cy="0"/>
+        </a:xfrm>
+      </p:grpSpPr>
+      <p:sp>
+        <p:nvSpPr>
+          <p:cNvPr id="8" name="Freeform: Shape 7">
+            <a:extLst>
+              <a:ext uri="{FF2B5EF4-FFF2-40B4-BE49-F238E27FC236}">
+                <a16:creationId xmlns:a16="http://schemas.microsoft.com/office/drawing/2014/main" id="{49306479-8C4D-4E4A-A330-DFC80A8A01BE}"/>
+              </a:ext>
+              <a:ext uri="{C183D7F6-B498-43B3-948B-1728B52AA6E4}">
+                <adec:decorative xmlns:adec="http://schemas.microsoft.com/office/drawing/2017/decorative" val="1"/>
+              </a:ext>
+            </a:extLst>
+          </p:cNvPr>
+          <p:cNvSpPr>
+            <a:spLocks noGrp="1" noRot="1" noChangeAspect="1" noMove="1" noResize="1" noEditPoints="1" noAdjustHandles="1" noChangeArrowheads="1" noChangeShapeType="1" noTextEdit="1"/>
+          </p:cNvSpPr>
+          <p:nvPr>
+            <p:extLst>
+              <p:ext uri="{386F3935-93C4-4BCD-93E2-E3B085C9AB24}">
+                <p16:designElem xmlns:p16="http://schemas.microsoft.com/office/powerpoint/2015/main" val="1"/>
+              </p:ext>
+            </p:extLst>
+          </p:nvPr>
+        </p:nvSpPr>
+        <p:spPr>
+          <a:xfrm>
+            <a:off x="0" y="0"/>
+            <a:ext cx="12192000" cy="6105524"/>
+          </a:xfrm>
+          <a:custGeom>
+            <a:avLst/>
+            <a:gdLst>
+              <a:gd name="connsiteX0" fmla="*/ 0 w 12192000"/>
+              <a:gd name="connsiteY0" fmla="*/ 0 h 6105524"/>
+              <a:gd name="connsiteX1" fmla="*/ 12192000 w 12192000"/>
+              <a:gd name="connsiteY1" fmla="*/ 0 h 6105524"/>
+              <a:gd name="connsiteX2" fmla="*/ 12192000 w 12192000"/>
+              <a:gd name="connsiteY2" fmla="*/ 6105524 h 6105524"/>
+              <a:gd name="connsiteX3" fmla="*/ 11435080 w 12192000"/>
+              <a:gd name="connsiteY3" fmla="*/ 6105524 h 6105524"/>
+              <a:gd name="connsiteX4" fmla="*/ 11435080 w 12192000"/>
+              <a:gd name="connsiteY4" fmla="*/ 771523 h 6105524"/>
+              <a:gd name="connsiteX5" fmla="*/ 767080 w 12192000"/>
+              <a:gd name="connsiteY5" fmla="*/ 771523 h 6105524"/>
+              <a:gd name="connsiteX6" fmla="*/ 767080 w 12192000"/>
+              <a:gd name="connsiteY6" fmla="*/ 6105524 h 6105524"/>
+              <a:gd name="connsiteX7" fmla="*/ 0 w 12192000"/>
+              <a:gd name="connsiteY7" fmla="*/ 6105524 h 6105524"/>
+            </a:gdLst>
+            <a:ahLst/>
+            <a:cxnLst>
+              <a:cxn ang="0">
+                <a:pos x="connsiteX0" y="connsiteY0"/>
+              </a:cxn>
+              <a:cxn ang="0">
+                <a:pos x="connsiteX1" y="connsiteY1"/>
+              </a:cxn>
+              <a:cxn ang="0">
+                <a:pos x="connsiteX2" y="connsiteY2"/>
+              </a:cxn>
+              <a:cxn ang="0">
+                <a:pos x="connsiteX3" y="connsiteY3"/>
+              </a:cxn>
+              <a:cxn ang="0">
+                <a:pos x="connsiteX4" y="connsiteY4"/>
+              </a:cxn>
+              <a:cxn ang="0">
+                <a:pos x="connsiteX5" y="connsiteY5"/>
+              </a:cxn>
+              <a:cxn ang="0">
+                <a:pos x="connsiteX6" y="connsiteY6"/>
+              </a:cxn>
+              <a:cxn ang="0">
+                <a:pos x="connsiteX7" y="connsiteY7"/>
+              </a:cxn>
+            </a:cxnLst>
+            <a:rect l="l" t="t" r="r" b="b"/>
+            <a:pathLst>
+              <a:path w="12192000" h="6105524">
+                <a:moveTo>
+                  <a:pt x="0" y="0"/>
+                </a:moveTo>
+                <a:lnTo>
+                  <a:pt x="12192000" y="0"/>
+                </a:lnTo>
+                <a:lnTo>
+                  <a:pt x="12192000" y="6105524"/>
+                </a:lnTo>
+                <a:lnTo>
+                  <a:pt x="11435080" y="6105524"/>
+                </a:lnTo>
+                <a:lnTo>
+                  <a:pt x="11435080" y="771523"/>
+                </a:lnTo>
+                <a:lnTo>
+                  <a:pt x="767080" y="771523"/>
+                </a:lnTo>
+                <a:lnTo>
+                  <a:pt x="767080" y="6105524"/>
+                </a:lnTo>
+                <a:lnTo>
+                  <a:pt x="0" y="6105524"/>
+                </a:lnTo>
+                <a:close/>
+              </a:path>
+            </a:pathLst>
+          </a:custGeom>
+          <a:gradFill flip="none" rotWithShape="1">
+            <a:gsLst>
+              <a:gs pos="10000">
+                <a:schemeClr val="accent5"/>
+              </a:gs>
+              <a:gs pos="90000">
+                <a:schemeClr val="accent1"/>
+              </a:gs>
+              <a:gs pos="70000">
+                <a:schemeClr val="accent2"/>
+              </a:gs>
+              <a:gs pos="30000">
+                <a:schemeClr val="accent4"/>
+              </a:gs>
+              <a:gs pos="50000">
+                <a:schemeClr val="accent3">
+                  <a:lumMod val="60000"/>
+                  <a:lumOff val="40000"/>
+                </a:schemeClr>
+              </a:gs>
+            </a:gsLst>
+            <a:lin ang="7200000" scaled="0"/>
+            <a:tileRect/>
+          </a:gradFill>
+          <a:ln>
+            <a:noFill/>
+          </a:ln>
+        </p:spPr>
+        <p:style>
+          <a:lnRef idx="2">
+            <a:schemeClr val="accent1">
+              <a:shade val="50000"/>
+            </a:schemeClr>
+          </a:lnRef>
+          <a:fillRef idx="1">
+            <a:schemeClr val="accent1"/>
+          </a:fillRef>
+          <a:effectRef idx="0">
+            <a:schemeClr val="accent1"/>
+          </a:effectRef>
+          <a:fontRef idx="minor">
+            <a:schemeClr val="lt1"/>
+          </a:fontRef>
+        </p:style>
+        <p:txBody>
+          <a:bodyPr wrap="square" rtlCol="0" anchor="ctr">
+            <a:noAutofit/>
+          </a:bodyPr>
+          <a:lstStyle/>
+          <a:p>
+            <a:pPr algn="ctr"/>
+            <a:endParaRPr lang="en-US"/>
+          </a:p>
+        </p:txBody>
+      </p:sp>
+      <p:sp useBgFill="1">
+        <p:nvSpPr>
+          <p:cNvPr id="10" name="Rectangle 9">
+            <a:extLst>
+              <a:ext uri="{FF2B5EF4-FFF2-40B4-BE49-F238E27FC236}">
+                <a16:creationId xmlns:a16="http://schemas.microsoft.com/office/drawing/2014/main" id="{9B45BA4C-9B54-4496-821F-9E0985CA984D}"/>
+              </a:ext>
+              <a:ext uri="{C183D7F6-B498-43B3-948B-1728B52AA6E4}">
+                <adec:decorative xmlns:adec="http://schemas.microsoft.com/office/drawing/2017/decorative" val="1"/>
+              </a:ext>
+            </a:extLst>
+          </p:cNvPr>
+          <p:cNvSpPr>
+            <a:spLocks noGrp="1" noRot="1" noChangeAspect="1" noMove="1" noResize="1" noEditPoints="1" noAdjustHandles="1" noChangeArrowheads="1" noChangeShapeType="1" noTextEdit="1"/>
+          </p:cNvSpPr>
+          <p:nvPr>
+            <p:extLst>
+              <p:ext uri="{386F3935-93C4-4BCD-93E2-E3B085C9AB24}">
+                <p16:designElem xmlns:p16="http://schemas.microsoft.com/office/powerpoint/2015/main" val="1"/>
+              </p:ext>
+            </p:extLst>
+          </p:nvPr>
+        </p:nvSpPr>
+        <p:spPr>
+          <a:xfrm>
+            <a:off x="0" y="0"/>
+            <a:ext cx="12192000" cy="6858000"/>
+          </a:xfrm>
+          <a:prstGeom prst="rect">
+            <a:avLst/>
+          </a:prstGeom>
+          <a:ln>
+            <a:noFill/>
+          </a:ln>
+        </p:spPr>
+        <p:style>
+          <a:lnRef idx="2">
+            <a:schemeClr val="accent1">
+              <a:shade val="50000"/>
+            </a:schemeClr>
+          </a:lnRef>
+          <a:fillRef idx="1">
+            <a:schemeClr val="accent1"/>
+          </a:fillRef>
+          <a:effectRef idx="0">
+            <a:schemeClr val="accent1"/>
+          </a:effectRef>
+          <a:fontRef idx="minor">
+            <a:schemeClr val="lt1"/>
+          </a:fontRef>
+        </p:style>
+        <p:txBody>
+          <a:bodyPr rtlCol="0" anchor="ctr"/>
+          <a:lstStyle/>
+          <a:p>
+            <a:pPr algn="ctr"/>
+            <a:endParaRPr lang="en-US"/>
+          </a:p>
+        </p:txBody>
+      </p:sp>
+      <p:sp>
+        <p:nvSpPr>
+          <p:cNvPr id="12" name="Rectangle 11">
+            <a:extLst>
+              <a:ext uri="{FF2B5EF4-FFF2-40B4-BE49-F238E27FC236}">
+                <a16:creationId xmlns:a16="http://schemas.microsoft.com/office/drawing/2014/main" id="{85E1BB9D-FAFF-4C3E-9E44-13F8FBABCD62}"/>
+              </a:ext>
+              <a:ext uri="{C183D7F6-B498-43B3-948B-1728B52AA6E4}">
+                <adec:decorative xmlns:adec="http://schemas.microsoft.com/office/drawing/2017/decorative" val="1"/>
+              </a:ext>
+            </a:extLst>
+          </p:cNvPr>
+          <p:cNvSpPr>
+            <a:spLocks noGrp="1" noRot="1" noChangeAspect="1" noMove="1" noResize="1" noEditPoints="1" noAdjustHandles="1" noChangeArrowheads="1" noChangeShapeType="1" noTextEdit="1"/>
+          </p:cNvSpPr>
+          <p:nvPr>
+            <p:extLst>
+              <p:ext uri="{386F3935-93C4-4BCD-93E2-E3B085C9AB24}">
+                <p16:designElem xmlns:p16="http://schemas.microsoft.com/office/powerpoint/2015/main" val="1"/>
+              </p:ext>
+            </p:extLst>
+          </p:nvPr>
+        </p:nvSpPr>
+        <p:spPr>
+          <a:xfrm>
+            <a:off x="0" y="0"/>
+            <a:ext cx="12192000" cy="6858000"/>
+          </a:xfrm>
+          <a:prstGeom prst="rect">
+            <a:avLst/>
+          </a:prstGeom>
+          <a:gradFill flip="none" rotWithShape="1">
+            <a:gsLst>
+              <a:gs pos="10000">
+                <a:schemeClr val="accent5"/>
+              </a:gs>
+              <a:gs pos="90000">
+                <a:schemeClr val="accent1"/>
+              </a:gs>
+              <a:gs pos="70000">
+                <a:schemeClr val="accent2"/>
+              </a:gs>
+              <a:gs pos="30000">
+                <a:schemeClr val="accent4"/>
+              </a:gs>
+              <a:gs pos="50000">
+                <a:schemeClr val="accent3">
+                  <a:lumMod val="60000"/>
+                  <a:lumOff val="40000"/>
+                </a:schemeClr>
+              </a:gs>
+            </a:gsLst>
+            <a:lin ang="7200000" scaled="0"/>
+            <a:tileRect/>
+          </a:gradFill>
+          <a:ln>
+            <a:noFill/>
+          </a:ln>
+        </p:spPr>
+        <p:style>
+          <a:lnRef idx="2">
+            <a:schemeClr val="accent1">
+              <a:shade val="50000"/>
+            </a:schemeClr>
+          </a:lnRef>
+          <a:fillRef idx="1">
+            <a:schemeClr val="accent1"/>
+          </a:fillRef>
+          <a:effectRef idx="0">
+            <a:schemeClr val="accent1"/>
+          </a:effectRef>
+          <a:fontRef idx="minor">
+            <a:schemeClr val="lt1"/>
+          </a:fontRef>
+        </p:style>
+        <p:txBody>
+          <a:bodyPr rtlCol="0" anchor="ctr"/>
+          <a:lstStyle/>
+          <a:p>
+            <a:pPr algn="ctr"/>
+            <a:endParaRPr lang="en-US"/>
+          </a:p>
+        </p:txBody>
+      </p:sp>
+      <p:sp useBgFill="1">
+        <p:nvSpPr>
+          <p:cNvPr id="14" name="Rectangle 13">
+            <a:extLst>
+              <a:ext uri="{FF2B5EF4-FFF2-40B4-BE49-F238E27FC236}">
+                <a16:creationId xmlns:a16="http://schemas.microsoft.com/office/drawing/2014/main" id="{47C897C6-901F-410E-B2AC-162ED94B010E}"/>
+              </a:ext>
+              <a:ext uri="{C183D7F6-B498-43B3-948B-1728B52AA6E4}">
+                <adec:decorative xmlns:adec="http://schemas.microsoft.com/office/drawing/2017/decorative" val="1"/>
+              </a:ext>
+            </a:extLst>
+          </p:cNvPr>
+          <p:cNvSpPr>
+            <a:spLocks noGrp="1" noRot="1" noChangeAspect="1" noMove="1" noResize="1" noEditPoints="1" noAdjustHandles="1" noChangeArrowheads="1" noChangeShapeType="1" noTextEdit="1"/>
+          </p:cNvSpPr>
+          <p:nvPr>
+            <p:extLst>
+              <p:ext uri="{386F3935-93C4-4BCD-93E2-E3B085C9AB24}">
+                <p16:designElem xmlns:p16="http://schemas.microsoft.com/office/powerpoint/2015/main" val="1"/>
+              </p:ext>
+            </p:extLst>
+          </p:nvPr>
+        </p:nvSpPr>
+        <p:spPr>
+          <a:xfrm>
+            <a:off x="0" y="762000"/>
+            <a:ext cx="12192000" cy="6096000"/>
+          </a:xfrm>
+          <a:prstGeom prst="rect">
+            <a:avLst/>
+          </a:prstGeom>
+          <a:ln w="76200">
+            <a:noFill/>
+          </a:ln>
+        </p:spPr>
+        <p:style>
+          <a:lnRef idx="2">
+            <a:schemeClr val="accent1">
+              <a:shade val="50000"/>
+            </a:schemeClr>
+          </a:lnRef>
+          <a:fillRef idx="1">
+            <a:schemeClr val="accent1"/>
+          </a:fillRef>
+          <a:effectRef idx="0">
+            <a:schemeClr val="accent1"/>
+          </a:effectRef>
+          <a:fontRef idx="minor">
+            <a:schemeClr val="lt1"/>
+          </a:fontRef>
+        </p:style>
+        <p:txBody>
+          <a:bodyPr rtlCol="0" anchor="ctr"/>
+          <a:lstStyle/>
+          <a:p>
+            <a:pPr algn="ctr"/>
+            <a:endParaRPr lang="en-US"/>
+          </a:p>
+        </p:txBody>
+      </p:sp>
+      <p:sp>
+        <p:nvSpPr>
+          <p:cNvPr id="2" name="Title 1">
+            <a:extLst>
+              <a:ext uri="{FF2B5EF4-FFF2-40B4-BE49-F238E27FC236}">
+                <a16:creationId xmlns:a16="http://schemas.microsoft.com/office/drawing/2014/main" id="{DA8EC399-A329-A7C0-6D23-8748C6180DB1}"/>
+              </a:ext>
+            </a:extLst>
+          </p:cNvPr>
+          <p:cNvSpPr>
+            <a:spLocks noGrp="1"/>
+          </p:cNvSpPr>
+          <p:nvPr>
+            <p:ph type="title"/>
+          </p:nvPr>
+        </p:nvSpPr>
+        <p:spPr>
+          <a:xfrm>
+            <a:off x="762000" y="779592"/>
+            <a:ext cx="5334000" cy="6078406"/>
+          </a:xfrm>
+        </p:spPr>
+        <p:txBody>
+          <a:bodyPr vert="horz" lIns="91440" tIns="45720" rIns="91440" bIns="45720" rtlCol="0" anchor="ctr">
+            <a:normAutofit/>
+          </a:bodyPr>
+          <a:lstStyle/>
+          <a:p>
+            <a:br>
+              <a:rPr lang="en-US" sz="2400" dirty="0">
+                <a:solidFill>
+                  <a:schemeClr val="accent3">
+                    <a:lumMod val="50000"/>
+                  </a:schemeClr>
+                </a:solidFill>
+              </a:rPr>
+            </a:br>
+            <a:r>
+              <a:rPr lang="en-US" sz="2400" dirty="0">
+                <a:solidFill>
+                  <a:schemeClr val="accent3">
+                    <a:lumMod val="50000"/>
+                  </a:schemeClr>
+                </a:solidFill>
+              </a:rPr>
+              <a:t>· Code Organization and Readability</a:t>
+            </a:r>
+            <a:br>
+              <a:rPr lang="en-US" sz="2400" dirty="0">
+                <a:solidFill>
+                  <a:schemeClr val="accent3">
+                    <a:lumMod val="50000"/>
+                  </a:schemeClr>
+                </a:solidFill>
+              </a:rPr>
+            </a:br>
+            <a:br>
+              <a:rPr lang="en-US" sz="2400" dirty="0">
+                <a:solidFill>
+                  <a:schemeClr val="accent3">
+                    <a:lumMod val="50000"/>
+                  </a:schemeClr>
+                </a:solidFill>
+              </a:rPr>
+            </a:br>
+            <a:r>
+              <a:rPr lang="en-US" sz="2400" dirty="0">
+                <a:solidFill>
+                  <a:schemeClr val="accent3">
+                    <a:lumMod val="50000"/>
+                  </a:schemeClr>
+                </a:solidFill>
+              </a:rPr>
+              <a:t>· Modularity and Reusability</a:t>
+            </a:r>
+            <a:br>
+              <a:rPr lang="en-US" sz="2400" dirty="0">
+                <a:solidFill>
+                  <a:schemeClr val="accent3">
+                    <a:lumMod val="50000"/>
+                  </a:schemeClr>
+                </a:solidFill>
+              </a:rPr>
+            </a:br>
+            <a:br>
+              <a:rPr lang="en-US" sz="2400" dirty="0">
+                <a:solidFill>
+                  <a:schemeClr val="accent3">
+                    <a:lumMod val="50000"/>
+                  </a:schemeClr>
+                </a:solidFill>
+              </a:rPr>
+            </a:br>
+            <a:r>
+              <a:rPr lang="en-US" sz="2400" dirty="0">
+                <a:solidFill>
+                  <a:schemeClr val="accent3">
+                    <a:lumMod val="50000"/>
+                  </a:schemeClr>
+                </a:solidFill>
+              </a:rPr>
+              <a:t>· Collaboration and Teamwork</a:t>
+            </a:r>
+            <a:br>
+              <a:rPr lang="en-US" sz="2400" dirty="0">
+                <a:solidFill>
+                  <a:schemeClr val="accent3">
+                    <a:lumMod val="50000"/>
+                  </a:schemeClr>
+                </a:solidFill>
+              </a:rPr>
+            </a:br>
+            <a:br>
+              <a:rPr lang="en-US" sz="2400" dirty="0">
+                <a:solidFill>
+                  <a:schemeClr val="accent3">
+                    <a:lumMod val="50000"/>
+                  </a:schemeClr>
+                </a:solidFill>
+              </a:rPr>
+            </a:br>
+            <a:r>
+              <a:rPr lang="en-US" sz="2400" dirty="0">
+                <a:solidFill>
+                  <a:schemeClr val="accent3">
+                    <a:lumMod val="50000"/>
+                  </a:schemeClr>
+                </a:solidFill>
+              </a:rPr>
+              <a:t>· Ease of Maintenance</a:t>
+            </a:r>
+            <a:br>
+              <a:rPr lang="en-US" sz="2400" dirty="0">
+                <a:solidFill>
+                  <a:schemeClr val="accent3">
+                    <a:lumMod val="50000"/>
+                  </a:schemeClr>
+                </a:solidFill>
+              </a:rPr>
+            </a:br>
+            <a:br>
+              <a:rPr lang="en-US" sz="2400" dirty="0">
+                <a:solidFill>
+                  <a:schemeClr val="accent3">
+                    <a:lumMod val="50000"/>
+                  </a:schemeClr>
+                </a:solidFill>
+              </a:rPr>
+            </a:br>
+            <a:r>
+              <a:rPr lang="en-US" sz="2400" dirty="0">
+                <a:solidFill>
+                  <a:schemeClr val="accent3">
+                    <a:lumMod val="50000"/>
+                  </a:schemeClr>
+                </a:solidFill>
+              </a:rPr>
+              <a:t>· Scalability</a:t>
+            </a:r>
+            <a:br>
+              <a:rPr lang="en-US" sz="2400" b="1" dirty="0">
+                <a:solidFill>
+                  <a:schemeClr val="accent3">
+                    <a:lumMod val="50000"/>
+                  </a:schemeClr>
+                </a:solidFill>
+              </a:rPr>
+            </a:br>
+            <a:br>
+              <a:rPr lang="en-US" sz="2400" b="1" dirty="0">
+                <a:solidFill>
+                  <a:schemeClr val="accent3">
+                    <a:lumMod val="50000"/>
+                  </a:schemeClr>
+                </a:solidFill>
+              </a:rPr>
+            </a:br>
+            <a:endParaRPr lang="en-US" sz="2400" dirty="0">
+              <a:solidFill>
+                <a:schemeClr val="accent3">
+                  <a:lumMod val="50000"/>
+                </a:schemeClr>
+              </a:solidFill>
+            </a:endParaRPr>
+          </a:p>
+        </p:txBody>
+      </p:sp>
+      <p:sp>
+        <p:nvSpPr>
+          <p:cNvPr id="4" name="TextBox 3">
+            <a:extLst>
+              <a:ext uri="{FF2B5EF4-FFF2-40B4-BE49-F238E27FC236}">
+                <a16:creationId xmlns:a16="http://schemas.microsoft.com/office/drawing/2014/main" id="{6E876584-5AE5-ECBD-5D64-C2FD55E2E46A}"/>
+              </a:ext>
+            </a:extLst>
+          </p:cNvPr>
+          <p:cNvSpPr txBox="1"/>
+          <p:nvPr/>
+        </p:nvSpPr>
+        <p:spPr>
+          <a:xfrm>
+            <a:off x="762000" y="167701"/>
+            <a:ext cx="7315200" cy="1077218"/>
+          </a:xfrm>
+          <a:prstGeom prst="rect">
+            <a:avLst/>
+          </a:prstGeom>
+          <a:noFill/>
+        </p:spPr>
+        <p:txBody>
+          <a:bodyPr wrap="square" rtlCol="0">
+            <a:spAutoFit/>
+          </a:bodyPr>
+          <a:lstStyle/>
+          <a:p>
+            <a:r>
+              <a:rPr lang="en-US" sz="3200" dirty="0">
+                <a:solidFill>
+                  <a:schemeClr val="bg1"/>
+                </a:solidFill>
+                <a:latin typeface="+mj-lt"/>
+              </a:rPr>
+              <a:t>Methodology: </a:t>
+            </a:r>
+            <a:r>
+              <a:rPr lang="en-GB" sz="3200" dirty="0">
+                <a:solidFill>
+                  <a:schemeClr val="bg1"/>
+                </a:solidFill>
+                <a:latin typeface="+mj-lt"/>
+              </a:rPr>
+              <a:t>Repository structure</a:t>
+            </a:r>
+          </a:p>
+          <a:p>
+            <a:endParaRPr lang="en-US" sz="3200" dirty="0">
+              <a:solidFill>
+                <a:schemeClr val="bg1"/>
+              </a:solidFill>
+              <a:latin typeface="+mj-lt"/>
+            </a:endParaRPr>
+          </a:p>
+        </p:txBody>
+      </p:sp>
+      <p:sp>
+        <p:nvSpPr>
+          <p:cNvPr id="3" name="Title 1">
+            <a:extLst>
+              <a:ext uri="{FF2B5EF4-FFF2-40B4-BE49-F238E27FC236}">
+                <a16:creationId xmlns:a16="http://schemas.microsoft.com/office/drawing/2014/main" id="{3A1ACF51-9124-406F-5ECE-33922ED3A746}"/>
+              </a:ext>
+            </a:extLst>
+          </p:cNvPr>
+          <p:cNvSpPr txBox="1">
+            <a:spLocks/>
+          </p:cNvSpPr>
+          <p:nvPr/>
+        </p:nvSpPr>
+        <p:spPr>
+          <a:xfrm>
+            <a:off x="6096000" y="761999"/>
+            <a:ext cx="5994400" cy="6095999"/>
+          </a:xfrm>
+          <a:prstGeom prst="rect">
+            <a:avLst/>
+          </a:prstGeom>
+        </p:spPr>
+        <p:txBody>
+          <a:bodyPr vert="horz" lIns="91440" tIns="45720" rIns="91440" bIns="45720" rtlCol="0" anchor="ctr">
+            <a:noAutofit/>
+          </a:bodyPr>
+          <a:lstStyle>
+            <a:lvl1pPr algn="l" defTabSz="914400" rtl="0" eaLnBrk="1" latinLnBrk="0" hangingPunct="1">
+              <a:lnSpc>
+                <a:spcPct val="95000"/>
+              </a:lnSpc>
+              <a:spcBef>
+                <a:spcPct val="0"/>
+              </a:spcBef>
+              <a:buNone/>
+              <a:defRPr sz="4200" kern="1200" spc="-50" baseline="0">
+                <a:solidFill>
+                  <a:schemeClr val="tx1"/>
+                </a:solidFill>
+                <a:latin typeface="+mj-lt"/>
+                <a:ea typeface="+mj-ea"/>
+                <a:cs typeface="+mj-cs"/>
+              </a:defRPr>
+            </a:lvl1pPr>
+          </a:lstStyle>
+          <a:p>
+            <a:r>
+              <a:rPr lang="en-US" sz="2400" dirty="0">
+                <a:solidFill>
+                  <a:schemeClr val="accent3">
+                    <a:lumMod val="50000"/>
+                  </a:schemeClr>
+                </a:solidFill>
+              </a:rPr>
+              <a:t>· Version Control and History </a:t>
+            </a:r>
+          </a:p>
+          <a:p>
+            <a:endParaRPr lang="en-US" sz="2400" b="1" dirty="0">
+              <a:solidFill>
+                <a:schemeClr val="accent3">
+                  <a:lumMod val="50000"/>
+                </a:schemeClr>
+              </a:solidFill>
+            </a:endParaRPr>
+          </a:p>
+          <a:p>
+            <a:r>
+              <a:rPr lang="en-US" sz="2400" b="1" dirty="0">
+                <a:solidFill>
+                  <a:schemeClr val="accent3">
+                    <a:lumMod val="50000"/>
+                  </a:schemeClr>
+                </a:solidFill>
+              </a:rPr>
+              <a:t>· Documentation</a:t>
+            </a:r>
+          </a:p>
+          <a:p>
+            <a:br>
+              <a:rPr lang="en-US" sz="2400" b="1" dirty="0">
+                <a:solidFill>
+                  <a:schemeClr val="accent3">
+                    <a:lumMod val="50000"/>
+                  </a:schemeClr>
+                </a:solidFill>
+              </a:rPr>
+            </a:br>
+            <a:r>
+              <a:rPr lang="en-US" sz="2400" b="1" dirty="0">
+                <a:solidFill>
+                  <a:schemeClr val="accent3">
+                    <a:lumMod val="50000"/>
+                  </a:schemeClr>
+                </a:solidFill>
+              </a:rPr>
+              <a:t>· Testing and Quality Assurance</a:t>
+            </a:r>
+          </a:p>
+          <a:p>
+            <a:br>
+              <a:rPr lang="en-US" sz="2400" b="1" dirty="0">
+                <a:solidFill>
+                  <a:schemeClr val="accent3">
+                    <a:lumMod val="50000"/>
+                  </a:schemeClr>
+                </a:solidFill>
+              </a:rPr>
+            </a:br>
+            <a:r>
+              <a:rPr lang="en-US" sz="2400" b="1" dirty="0">
+                <a:solidFill>
+                  <a:schemeClr val="accent3">
+                    <a:lumMod val="50000"/>
+                  </a:schemeClr>
+                </a:solidFill>
+              </a:rPr>
+              <a:t>· Reduced Technical Debt</a:t>
+            </a:r>
+          </a:p>
+          <a:p>
+            <a:endParaRPr lang="en-US" sz="2400" b="1" dirty="0">
+              <a:solidFill>
+                <a:schemeClr val="accent3">
+                  <a:lumMod val="50000"/>
+                </a:schemeClr>
+              </a:solidFill>
+            </a:endParaRPr>
+          </a:p>
+          <a:p>
+            <a:endParaRPr lang="en-US" sz="2400" b="1" dirty="0">
+              <a:solidFill>
+                <a:schemeClr val="accent3">
+                  <a:lumMod val="50000"/>
+                </a:schemeClr>
+              </a:solidFill>
+            </a:endParaRPr>
+          </a:p>
+          <a:p>
+            <a:endParaRPr lang="en-US" sz="2400" b="1" dirty="0">
+              <a:solidFill>
+                <a:schemeClr val="accent3">
+                  <a:lumMod val="50000"/>
+                </a:schemeClr>
+              </a:solidFill>
+            </a:endParaRPr>
+          </a:p>
+        </p:txBody>
+      </p:sp>
+    </p:spTree>
+    <p:extLst>
+      <p:ext uri="{BB962C8B-B14F-4D97-AF65-F5344CB8AC3E}">
+        <p14:creationId xmlns:p14="http://schemas.microsoft.com/office/powerpoint/2010/main" val="3052576363"/>
       </p:ext>
     </p:extLst>
   </p:cSld>

--- a/Literature Review/AI plays checkers - presentation.pptx
+++ b/Literature Review/AI plays checkers - presentation.pptx
@@ -7635,24 +7635,6 @@
               </a:solidFill>
             </a:endParaRPr>
           </a:p>
-          <a:p>
-            <a:endParaRPr lang="en-US" sz="2400" b="1" dirty="0">
-              <a:solidFill>
-                <a:schemeClr val="accent3">
-                  <a:lumMod val="50000"/>
-                </a:schemeClr>
-              </a:solidFill>
-            </a:endParaRPr>
-          </a:p>
-          <a:p>
-            <a:endParaRPr lang="en-US" sz="2400" b="1" dirty="0">
-              <a:solidFill>
-                <a:schemeClr val="accent3">
-                  <a:lumMod val="50000"/>
-                </a:schemeClr>
-              </a:solidFill>
-            </a:endParaRPr>
-          </a:p>
         </p:txBody>
       </p:sp>
     </p:spTree>
